--- a/Док/Тулегенов Алишер Презентация.pptx
+++ b/Док/Тулегенов Алишер Презентация.pptx
@@ -7,10 +7,10 @@
     <p:sldMasterId id="2147483672" r:id="rId3"/>
   </p:sldMasterIdLst>
   <p:notesMasterIdLst>
-    <p:notesMasterId r:id="rId24"/>
+    <p:notesMasterId r:id="rId25"/>
   </p:notesMasterIdLst>
   <p:handoutMasterIdLst>
-    <p:handoutMasterId r:id="rId25"/>
+    <p:handoutMasterId r:id="rId26"/>
   </p:handoutMasterIdLst>
   <p:sldIdLst>
     <p:sldId id="357" r:id="rId4"/>
@@ -22,17 +22,18 @@
     <p:sldId id="319" r:id="rId10"/>
     <p:sldId id="365" r:id="rId11"/>
     <p:sldId id="318" r:id="rId12"/>
-    <p:sldId id="317" r:id="rId13"/>
-    <p:sldId id="396" r:id="rId14"/>
-    <p:sldId id="398" r:id="rId15"/>
+    <p:sldId id="408" r:id="rId13"/>
+    <p:sldId id="407" r:id="rId14"/>
+    <p:sldId id="396" r:id="rId15"/>
     <p:sldId id="399" r:id="rId16"/>
-    <p:sldId id="400" r:id="rId17"/>
-    <p:sldId id="402" r:id="rId18"/>
-    <p:sldId id="401" r:id="rId19"/>
-    <p:sldId id="403" r:id="rId20"/>
-    <p:sldId id="405" r:id="rId21"/>
-    <p:sldId id="368" r:id="rId22"/>
-    <p:sldId id="406" r:id="rId23"/>
+    <p:sldId id="398" r:id="rId17"/>
+    <p:sldId id="400" r:id="rId18"/>
+    <p:sldId id="402" r:id="rId19"/>
+    <p:sldId id="401" r:id="rId20"/>
+    <p:sldId id="403" r:id="rId21"/>
+    <p:sldId id="405" r:id="rId22"/>
+    <p:sldId id="368" r:id="rId23"/>
+    <p:sldId id="406" r:id="rId24"/>
   </p:sldIdLst>
   <p:sldSz cx="9144000" cy="5143500" type="screen16x9"/>
   <p:notesSz cx="6858000" cy="9144000"/>
@@ -331,7 +332,7 @@
           <a:p>
             <a:fld id="{0F9B84EA-7D68-4D60-9CB1-D50884785D1C}" type="datetimeFigureOut">
               <a:rPr lang="zh-CN" altLang="en-US" smtClean="0"/>
-              <a:t>2024/6/6</a:t>
+              <a:t>2024/6/9</a:t>
             </a:fld>
             <a:endParaRPr lang="zh-CN" altLang="en-US"/>
           </a:p>
@@ -495,7 +496,7 @@
           <a:p>
             <a:fld id="{D2A48B96-639E-45A3-A0BA-2464DFDB1FAA}" type="datetimeFigureOut">
               <a:rPr lang="zh-CN" altLang="en-US" smtClean="0"/>
-              <a:t>2024/6/6</a:t>
+              <a:t>2024/6/9</a:t>
             </a:fld>
             <a:endParaRPr lang="zh-CN" altLang="en-US"/>
           </a:p>
@@ -9442,7 +9443,7 @@
           <a:p>
             <a:pPr algn="ctr"/>
             <a:r>
-              <a:rPr lang="en-US" altLang="zh-CN" sz="2000" b="1">
+              <a:rPr lang="ru-RU" altLang="zh-CN" sz="2000" b="1" dirty="0" smtClean="0">
                 <a:solidFill>
                   <a:schemeClr val="bg1"/>
                 </a:solidFill>
@@ -9450,8 +9451,214 @@
                 <a:ea typeface="Arial Unicode MS" panose="020B0604020202020204" charset="-122"/>
                 <a:cs typeface="Times New Roman" panose="02020603050405020304" pitchFamily="2" charset="0"/>
               </a:rPr>
-              <a:t>Влияние информационных технологий на систему управления охраной труда промышленного предприятия</a:t>
+              <a:t>Исследование</a:t>
             </a:r>
+            <a:r>
+              <a:rPr lang="en-US" altLang="zh-CN" sz="2000" b="1" dirty="0" smtClean="0">
+                <a:solidFill>
+                  <a:schemeClr val="bg1"/>
+                </a:solidFill>
+                <a:latin typeface="Times New Roman" panose="02020603050405020304" pitchFamily="2" charset="0"/>
+                <a:ea typeface="Arial Unicode MS" panose="020B0604020202020204" charset="-122"/>
+                <a:cs typeface="Times New Roman" panose="02020603050405020304" pitchFamily="2" charset="0"/>
+              </a:rPr>
+              <a:t> </a:t>
+            </a:r>
+            <a:r>
+              <a:rPr lang="en-US" altLang="zh-CN" sz="2000" b="1" dirty="0" err="1">
+                <a:solidFill>
+                  <a:schemeClr val="bg1"/>
+                </a:solidFill>
+                <a:latin typeface="Times New Roman" panose="02020603050405020304" pitchFamily="2" charset="0"/>
+                <a:ea typeface="Arial Unicode MS" panose="020B0604020202020204" charset="-122"/>
+                <a:cs typeface="Times New Roman" panose="02020603050405020304" pitchFamily="2" charset="0"/>
+              </a:rPr>
+              <a:t>информационных</a:t>
+            </a:r>
+            <a:r>
+              <a:rPr lang="en-US" altLang="zh-CN" sz="2000" b="1" dirty="0">
+                <a:solidFill>
+                  <a:schemeClr val="bg1"/>
+                </a:solidFill>
+                <a:latin typeface="Times New Roman" panose="02020603050405020304" pitchFamily="2" charset="0"/>
+                <a:ea typeface="Arial Unicode MS" panose="020B0604020202020204" charset="-122"/>
+                <a:cs typeface="Times New Roman" panose="02020603050405020304" pitchFamily="2" charset="0"/>
+              </a:rPr>
+              <a:t> </a:t>
+            </a:r>
+            <a:r>
+              <a:rPr lang="en-US" altLang="zh-CN" sz="2000" b="1" dirty="0" err="1">
+                <a:solidFill>
+                  <a:schemeClr val="bg1"/>
+                </a:solidFill>
+                <a:latin typeface="Times New Roman" panose="02020603050405020304" pitchFamily="2" charset="0"/>
+                <a:ea typeface="Arial Unicode MS" panose="020B0604020202020204" charset="-122"/>
+                <a:cs typeface="Times New Roman" panose="02020603050405020304" pitchFamily="2" charset="0"/>
+              </a:rPr>
+              <a:t>технологий</a:t>
+            </a:r>
+            <a:r>
+              <a:rPr lang="en-US" altLang="zh-CN" sz="2000" b="1" dirty="0">
+                <a:solidFill>
+                  <a:schemeClr val="bg1"/>
+                </a:solidFill>
+                <a:latin typeface="Times New Roman" panose="02020603050405020304" pitchFamily="2" charset="0"/>
+                <a:ea typeface="Arial Unicode MS" panose="020B0604020202020204" charset="-122"/>
+                <a:cs typeface="Times New Roman" panose="02020603050405020304" pitchFamily="2" charset="0"/>
+              </a:rPr>
+              <a:t> </a:t>
+            </a:r>
+            <a:r>
+              <a:rPr lang="en-US" altLang="zh-CN" sz="2000" b="1" dirty="0" err="1">
+                <a:solidFill>
+                  <a:schemeClr val="bg1"/>
+                </a:solidFill>
+                <a:latin typeface="Times New Roman" panose="02020603050405020304" pitchFamily="2" charset="0"/>
+                <a:ea typeface="Arial Unicode MS" panose="020B0604020202020204" charset="-122"/>
+                <a:cs typeface="Times New Roman" panose="02020603050405020304" pitchFamily="2" charset="0"/>
+              </a:rPr>
+              <a:t>на</a:t>
+            </a:r>
+            <a:r>
+              <a:rPr lang="en-US" altLang="zh-CN" sz="2000" b="1" dirty="0">
+                <a:solidFill>
+                  <a:schemeClr val="bg1"/>
+                </a:solidFill>
+                <a:latin typeface="Times New Roman" panose="02020603050405020304" pitchFamily="2" charset="0"/>
+                <a:ea typeface="Arial Unicode MS" panose="020B0604020202020204" charset="-122"/>
+                <a:cs typeface="Times New Roman" panose="02020603050405020304" pitchFamily="2" charset="0"/>
+              </a:rPr>
+              <a:t> </a:t>
+            </a:r>
+            <a:r>
+              <a:rPr lang="en-US" altLang="zh-CN" sz="2000" b="1" dirty="0" err="1">
+                <a:solidFill>
+                  <a:schemeClr val="bg1"/>
+                </a:solidFill>
+                <a:latin typeface="Times New Roman" panose="02020603050405020304" pitchFamily="2" charset="0"/>
+                <a:ea typeface="Arial Unicode MS" panose="020B0604020202020204" charset="-122"/>
+                <a:cs typeface="Times New Roman" panose="02020603050405020304" pitchFamily="2" charset="0"/>
+              </a:rPr>
+              <a:t>систему</a:t>
+            </a:r>
+            <a:r>
+              <a:rPr lang="en-US" altLang="zh-CN" sz="2000" b="1" dirty="0">
+                <a:solidFill>
+                  <a:schemeClr val="bg1"/>
+                </a:solidFill>
+                <a:latin typeface="Times New Roman" panose="02020603050405020304" pitchFamily="2" charset="0"/>
+                <a:ea typeface="Arial Unicode MS" panose="020B0604020202020204" charset="-122"/>
+                <a:cs typeface="Times New Roman" panose="02020603050405020304" pitchFamily="2" charset="0"/>
+              </a:rPr>
+              <a:t> </a:t>
+            </a:r>
+            <a:r>
+              <a:rPr lang="en-US" altLang="zh-CN" sz="2000" b="1" dirty="0" err="1">
+                <a:solidFill>
+                  <a:schemeClr val="bg1"/>
+                </a:solidFill>
+                <a:latin typeface="Times New Roman" panose="02020603050405020304" pitchFamily="2" charset="0"/>
+                <a:ea typeface="Arial Unicode MS" panose="020B0604020202020204" charset="-122"/>
+                <a:cs typeface="Times New Roman" panose="02020603050405020304" pitchFamily="2" charset="0"/>
+              </a:rPr>
+              <a:t>управления</a:t>
+            </a:r>
+            <a:r>
+              <a:rPr lang="en-US" altLang="zh-CN" sz="2000" b="1" dirty="0">
+                <a:solidFill>
+                  <a:schemeClr val="bg1"/>
+                </a:solidFill>
+                <a:latin typeface="Times New Roman" panose="02020603050405020304" pitchFamily="2" charset="0"/>
+                <a:ea typeface="Arial Unicode MS" panose="020B0604020202020204" charset="-122"/>
+                <a:cs typeface="Times New Roman" panose="02020603050405020304" pitchFamily="2" charset="0"/>
+              </a:rPr>
+              <a:t> </a:t>
+            </a:r>
+            <a:r>
+              <a:rPr lang="en-US" altLang="zh-CN" sz="2000" b="1" dirty="0" err="1">
+                <a:solidFill>
+                  <a:schemeClr val="bg1"/>
+                </a:solidFill>
+                <a:latin typeface="Times New Roman" panose="02020603050405020304" pitchFamily="2" charset="0"/>
+                <a:ea typeface="Arial Unicode MS" panose="020B0604020202020204" charset="-122"/>
+                <a:cs typeface="Times New Roman" panose="02020603050405020304" pitchFamily="2" charset="0"/>
+              </a:rPr>
+              <a:t>охраной</a:t>
+            </a:r>
+            <a:r>
+              <a:rPr lang="en-US" altLang="zh-CN" sz="2000" b="1" dirty="0">
+                <a:solidFill>
+                  <a:schemeClr val="bg1"/>
+                </a:solidFill>
+                <a:latin typeface="Times New Roman" panose="02020603050405020304" pitchFamily="2" charset="0"/>
+                <a:ea typeface="Arial Unicode MS" panose="020B0604020202020204" charset="-122"/>
+                <a:cs typeface="Times New Roman" panose="02020603050405020304" pitchFamily="2" charset="0"/>
+              </a:rPr>
+              <a:t> </a:t>
+            </a:r>
+            <a:r>
+              <a:rPr lang="en-US" altLang="zh-CN" sz="2000" b="1" dirty="0" err="1">
+                <a:solidFill>
+                  <a:schemeClr val="bg1"/>
+                </a:solidFill>
+                <a:latin typeface="Times New Roman" panose="02020603050405020304" pitchFamily="2" charset="0"/>
+                <a:ea typeface="Arial Unicode MS" panose="020B0604020202020204" charset="-122"/>
+                <a:cs typeface="Times New Roman" panose="02020603050405020304" pitchFamily="2" charset="0"/>
+              </a:rPr>
+              <a:t>труда</a:t>
+            </a:r>
+            <a:r>
+              <a:rPr lang="en-US" altLang="zh-CN" sz="2000" b="1" dirty="0">
+                <a:solidFill>
+                  <a:schemeClr val="bg1"/>
+                </a:solidFill>
+                <a:latin typeface="Times New Roman" panose="02020603050405020304" pitchFamily="2" charset="0"/>
+                <a:ea typeface="Arial Unicode MS" panose="020B0604020202020204" charset="-122"/>
+                <a:cs typeface="Times New Roman" panose="02020603050405020304" pitchFamily="2" charset="0"/>
+              </a:rPr>
+              <a:t> </a:t>
+            </a:r>
+            <a:r>
+              <a:rPr lang="en-US" altLang="zh-CN" sz="2000" b="1" dirty="0" err="1">
+                <a:solidFill>
+                  <a:schemeClr val="bg1"/>
+                </a:solidFill>
+                <a:latin typeface="Times New Roman" panose="02020603050405020304" pitchFamily="2" charset="0"/>
+                <a:ea typeface="Arial Unicode MS" panose="020B0604020202020204" charset="-122"/>
+                <a:cs typeface="Times New Roman" panose="02020603050405020304" pitchFamily="2" charset="0"/>
+              </a:rPr>
+              <a:t>промышленного</a:t>
+            </a:r>
+            <a:r>
+              <a:rPr lang="en-US" altLang="zh-CN" sz="2000" b="1" dirty="0">
+                <a:solidFill>
+                  <a:schemeClr val="bg1"/>
+                </a:solidFill>
+                <a:latin typeface="Times New Roman" panose="02020603050405020304" pitchFamily="2" charset="0"/>
+                <a:ea typeface="Arial Unicode MS" panose="020B0604020202020204" charset="-122"/>
+                <a:cs typeface="Times New Roman" panose="02020603050405020304" pitchFamily="2" charset="0"/>
+              </a:rPr>
+              <a:t> </a:t>
+            </a:r>
+            <a:r>
+              <a:rPr lang="en-US" altLang="zh-CN" sz="2000" b="1" dirty="0" err="1">
+                <a:solidFill>
+                  <a:schemeClr val="bg1"/>
+                </a:solidFill>
+                <a:latin typeface="Times New Roman" panose="02020603050405020304" pitchFamily="2" charset="0"/>
+                <a:ea typeface="Arial Unicode MS" panose="020B0604020202020204" charset="-122"/>
+                <a:cs typeface="Times New Roman" panose="02020603050405020304" pitchFamily="2" charset="0"/>
+              </a:rPr>
+              <a:t>предприятия</a:t>
+            </a:r>
+            <a:endParaRPr lang="en-US" altLang="zh-CN" sz="2000" b="1" dirty="0">
+              <a:solidFill>
+                <a:schemeClr val="bg1"/>
+              </a:solidFill>
+              <a:latin typeface="Times New Roman" panose="02020603050405020304" pitchFamily="2" charset="0"/>
+              <a:ea typeface="Arial Unicode MS" panose="020B0604020202020204" charset="-122"/>
+              <a:cs typeface="Times New Roman" panose="02020603050405020304" pitchFamily="2" charset="0"/>
+            </a:endParaRPr>
           </a:p>
         </p:txBody>
       </p:sp>
@@ -10484,6 +10691,867 @@
           <a:chExt cx="0" cy="0"/>
         </a:xfrm>
       </p:grpSpPr>
+      <p:sp>
+        <p:nvSpPr>
+          <p:cNvPr id="3" name="直角三角形 2"/>
+          <p:cNvSpPr/>
+          <p:nvPr/>
+        </p:nvSpPr>
+        <p:spPr>
+          <a:xfrm rot="5400000">
+            <a:off x="-19050" y="-12700"/>
+            <a:ext cx="1409700" cy="1409700"/>
+          </a:xfrm>
+          <a:prstGeom prst="rtTriangle">
+            <a:avLst/>
+          </a:prstGeom>
+          <a:solidFill>
+            <a:srgbClr val="002748"/>
+          </a:solidFill>
+          <a:ln>
+            <a:noFill/>
+          </a:ln>
+        </p:spPr>
+        <p:style>
+          <a:lnRef idx="2">
+            <a:schemeClr val="accent1">
+              <a:shade val="50000"/>
+            </a:schemeClr>
+          </a:lnRef>
+          <a:fillRef idx="1">
+            <a:schemeClr val="accent1"/>
+          </a:fillRef>
+          <a:effectRef idx="0">
+            <a:schemeClr val="accent1"/>
+          </a:effectRef>
+          <a:fontRef idx="minor">
+            <a:schemeClr val="lt1"/>
+          </a:fontRef>
+        </p:style>
+        <p:txBody>
+          <a:bodyPr rtlCol="0" anchor="ctr"/>
+          <a:lstStyle/>
+          <a:p>
+            <a:pPr algn="ctr" fontAlgn="base"/>
+            <a:endParaRPr lang="zh-CN" altLang="en-US" strike="noStrike" noProof="1">
+              <a:ea typeface="Arial Unicode MS" panose="020B0604020202020204" charset="-122"/>
+            </a:endParaRPr>
+          </a:p>
+        </p:txBody>
+      </p:sp>
+      <p:sp>
+        <p:nvSpPr>
+          <p:cNvPr id="25" name="矩形 24"/>
+          <p:cNvSpPr/>
+          <p:nvPr/>
+        </p:nvSpPr>
+        <p:spPr>
+          <a:xfrm>
+            <a:off x="-9525" y="4943475"/>
+            <a:ext cx="9153525" cy="76200"/>
+          </a:xfrm>
+          <a:prstGeom prst="rect">
+            <a:avLst/>
+          </a:prstGeom>
+          <a:solidFill>
+            <a:srgbClr val="002748"/>
+          </a:solidFill>
+          <a:ln>
+            <a:noFill/>
+          </a:ln>
+        </p:spPr>
+        <p:style>
+          <a:lnRef idx="2">
+            <a:schemeClr val="accent1">
+              <a:shade val="50000"/>
+            </a:schemeClr>
+          </a:lnRef>
+          <a:fillRef idx="1">
+            <a:schemeClr val="accent1"/>
+          </a:fillRef>
+          <a:effectRef idx="0">
+            <a:schemeClr val="accent1"/>
+          </a:effectRef>
+          <a:fontRef idx="minor">
+            <a:schemeClr val="lt1"/>
+          </a:fontRef>
+        </p:style>
+        <p:txBody>
+          <a:bodyPr rtlCol="0" anchor="ctr"/>
+          <a:lstStyle/>
+          <a:p>
+            <a:pPr algn="ctr" fontAlgn="base"/>
+            <a:endParaRPr lang="zh-CN" altLang="en-US" strike="noStrike" noProof="1">
+              <a:ea typeface="Arial Unicode MS" panose="020B0604020202020204" charset="-122"/>
+            </a:endParaRPr>
+          </a:p>
+        </p:txBody>
+      </p:sp>
+      <p:pic>
+        <p:nvPicPr>
+          <p:cNvPr id="7" name="Изображение 1"/>
+          <p:cNvPicPr>
+            <a:picLocks noChangeAspect="1"/>
+          </p:cNvPicPr>
+          <p:nvPr/>
+        </p:nvPicPr>
+        <p:blipFill>
+          <a:blip r:embed="rId2"/>
+          <a:stretch>
+            <a:fillRect/>
+          </a:stretch>
+        </p:blipFill>
+        <p:spPr>
+          <a:xfrm>
+            <a:off x="4825145" y="2160620"/>
+            <a:ext cx="3414859" cy="1179114"/>
+          </a:xfrm>
+          <a:prstGeom prst="rect">
+            <a:avLst/>
+          </a:prstGeom>
+          <a:noFill/>
+          <a:ln>
+            <a:noFill/>
+          </a:ln>
+        </p:spPr>
+      </p:pic>
+      <p:sp>
+        <p:nvSpPr>
+          <p:cNvPr id="8" name="MH_Text_1"/>
+          <p:cNvSpPr txBox="1"/>
+          <p:nvPr/>
+        </p:nvSpPr>
+        <p:spPr>
+          <a:xfrm>
+            <a:off x="969108" y="1674629"/>
+            <a:ext cx="3402867" cy="2333523"/>
+          </a:xfrm>
+          <a:prstGeom prst="rect">
+            <a:avLst/>
+          </a:prstGeom>
+          <a:noFill/>
+          <a:ln w="9525">
+            <a:noFill/>
+          </a:ln>
+        </p:spPr>
+        <p:txBody>
+          <a:bodyPr lIns="0" tIns="0" rIns="0" bIns="0" anchor="ctr"/>
+          <a:lstStyle/>
+          <a:p>
+            <a:pPr algn="l">
+              <a:lnSpc>
+                <a:spcPct val="130000"/>
+              </a:lnSpc>
+            </a:pPr>
+            <a:r>
+              <a:rPr lang="ru-RU" altLang="en-US" sz="1600" dirty="0" err="1" smtClean="0">
+                <a:solidFill>
+                  <a:srgbClr val="0D0D0D"/>
+                </a:solidFill>
+                <a:latin typeface="Times New Roman" panose="02020603050405020304" pitchFamily="2" charset="0"/>
+                <a:ea typeface="Arial Unicode MS" panose="020B0604020202020204" charset="-122"/>
+                <a:cs typeface="Times New Roman" panose="02020603050405020304" pitchFamily="2" charset="0"/>
+              </a:rPr>
+              <a:t>Приемущества</a:t>
+            </a:r>
+            <a:r>
+              <a:rPr lang="ru-RU" altLang="en-US" sz="1600" dirty="0" smtClean="0">
+                <a:solidFill>
+                  <a:srgbClr val="0D0D0D"/>
+                </a:solidFill>
+                <a:latin typeface="Times New Roman" panose="02020603050405020304" pitchFamily="2" charset="0"/>
+                <a:ea typeface="Arial Unicode MS" panose="020B0604020202020204" charset="-122"/>
+                <a:cs typeface="Times New Roman" panose="02020603050405020304" pitchFamily="2" charset="0"/>
+              </a:rPr>
+              <a:t> «Клиент-серверной» архитектуры:</a:t>
+            </a:r>
+          </a:p>
+          <a:p>
+            <a:pPr marL="285750" indent="-285750" algn="l">
+              <a:lnSpc>
+                <a:spcPct val="130000"/>
+              </a:lnSpc>
+              <a:buFontTx/>
+              <a:buChar char="-"/>
+            </a:pPr>
+            <a:r>
+              <a:rPr lang="ru-RU" altLang="en-US" sz="1600" dirty="0" smtClean="0">
+                <a:solidFill>
+                  <a:srgbClr val="0D0D0D"/>
+                </a:solidFill>
+                <a:latin typeface="Times New Roman" panose="02020603050405020304" pitchFamily="2" charset="0"/>
+                <a:ea typeface="Arial Unicode MS" panose="020B0604020202020204" charset="-122"/>
+                <a:cs typeface="Times New Roman" panose="02020603050405020304" pitchFamily="2" charset="0"/>
+              </a:rPr>
+              <a:t>Доступность</a:t>
+            </a:r>
+          </a:p>
+          <a:p>
+            <a:pPr marL="285750" indent="-285750" algn="l">
+              <a:lnSpc>
+                <a:spcPct val="130000"/>
+              </a:lnSpc>
+              <a:buFontTx/>
+              <a:buChar char="-"/>
+            </a:pPr>
+            <a:r>
+              <a:rPr lang="ru-RU" altLang="en-US" sz="1600" dirty="0" smtClean="0">
+                <a:solidFill>
+                  <a:srgbClr val="0D0D0D"/>
+                </a:solidFill>
+                <a:latin typeface="Times New Roman" panose="02020603050405020304" pitchFamily="2" charset="0"/>
+                <a:ea typeface="Arial Unicode MS" panose="020B0604020202020204" charset="-122"/>
+                <a:cs typeface="Times New Roman" panose="02020603050405020304" pitchFamily="2" charset="0"/>
+              </a:rPr>
+              <a:t>Масштабируемость</a:t>
+            </a:r>
+          </a:p>
+          <a:p>
+            <a:pPr marL="285750" indent="-285750" algn="l">
+              <a:lnSpc>
+                <a:spcPct val="130000"/>
+              </a:lnSpc>
+              <a:buFontTx/>
+              <a:buChar char="-"/>
+            </a:pPr>
+            <a:r>
+              <a:rPr lang="ru-RU" altLang="en-US" sz="1600" dirty="0" smtClean="0">
+                <a:solidFill>
+                  <a:srgbClr val="0D0D0D"/>
+                </a:solidFill>
+                <a:latin typeface="Times New Roman" panose="02020603050405020304" pitchFamily="2" charset="0"/>
+                <a:ea typeface="Arial Unicode MS" panose="020B0604020202020204" charset="-122"/>
+                <a:cs typeface="Times New Roman" panose="02020603050405020304" pitchFamily="2" charset="0"/>
+              </a:rPr>
+              <a:t>Кроссплатформенность</a:t>
+            </a:r>
+          </a:p>
+          <a:p>
+            <a:pPr marL="285750" indent="-285750" algn="l">
+              <a:lnSpc>
+                <a:spcPct val="130000"/>
+              </a:lnSpc>
+              <a:buFontTx/>
+              <a:buChar char="-"/>
+            </a:pPr>
+            <a:r>
+              <a:rPr lang="ru-RU" altLang="en-US" sz="1600" dirty="0" smtClean="0">
+                <a:solidFill>
+                  <a:srgbClr val="0D0D0D"/>
+                </a:solidFill>
+                <a:latin typeface="Times New Roman" panose="02020603050405020304" pitchFamily="2" charset="0"/>
+                <a:ea typeface="Arial Unicode MS" panose="020B0604020202020204" charset="-122"/>
+                <a:cs typeface="Times New Roman" panose="02020603050405020304" pitchFamily="2" charset="0"/>
+              </a:rPr>
+              <a:t>Удобство обновлений</a:t>
+            </a:r>
+            <a:endParaRPr lang="ru-RU" altLang="en-US" sz="1600" dirty="0" smtClean="0">
+              <a:solidFill>
+                <a:srgbClr val="0D0D0D"/>
+              </a:solidFill>
+              <a:latin typeface="Times New Roman" panose="02020603050405020304" pitchFamily="2" charset="0"/>
+              <a:ea typeface="Arial Unicode MS" panose="020B0604020202020204" charset="-122"/>
+              <a:cs typeface="Times New Roman" panose="02020603050405020304" pitchFamily="2" charset="0"/>
+            </a:endParaRPr>
+          </a:p>
+          <a:p>
+            <a:pPr marL="285750" indent="-285750" algn="l">
+              <a:lnSpc>
+                <a:spcPct val="130000"/>
+              </a:lnSpc>
+              <a:buFontTx/>
+              <a:buChar char="-"/>
+            </a:pPr>
+            <a:r>
+              <a:rPr lang="ru-RU" altLang="en-US" sz="1600" dirty="0" smtClean="0">
+                <a:solidFill>
+                  <a:srgbClr val="0D0D0D"/>
+                </a:solidFill>
+                <a:latin typeface="Times New Roman" panose="02020603050405020304" pitchFamily="2" charset="0"/>
+                <a:ea typeface="Arial Unicode MS" panose="020B0604020202020204" charset="-122"/>
+                <a:cs typeface="Times New Roman" panose="02020603050405020304" pitchFamily="2" charset="0"/>
+              </a:rPr>
+              <a:t>Опыт пользователей</a:t>
+            </a:r>
+            <a:endParaRPr lang="ru-RU" altLang="en-US" sz="1600" dirty="0">
+              <a:solidFill>
+                <a:srgbClr val="0D0D0D"/>
+              </a:solidFill>
+              <a:latin typeface="Times New Roman" panose="02020603050405020304" pitchFamily="2" charset="0"/>
+              <a:ea typeface="Arial Unicode MS" panose="020B0604020202020204" charset="-122"/>
+              <a:cs typeface="Times New Roman" panose="02020603050405020304" pitchFamily="2" charset="0"/>
+            </a:endParaRPr>
+          </a:p>
+        </p:txBody>
+      </p:sp>
+      <p:sp>
+        <p:nvSpPr>
+          <p:cNvPr id="9" name="Copyright Notice"/>
+          <p:cNvSpPr/>
+          <p:nvPr/>
+        </p:nvSpPr>
+        <p:spPr bwMode="auto">
+          <a:xfrm>
+            <a:off x="1463675" y="742950"/>
+            <a:ext cx="6217285" cy="482347"/>
+          </a:xfrm>
+          <a:prstGeom prst="rect">
+            <a:avLst/>
+          </a:prstGeom>
+          <a:noFill/>
+          <a:ln w="6350" cap="flat" cmpd="sng" algn="ctr">
+            <a:noFill/>
+            <a:prstDash val="solid"/>
+          </a:ln>
+          <a:effectLst/>
+          <a:extLst>
+            <a:ext uri="{909E8E84-426E-40DD-AFC4-6F175D3DCCD1}">
+              <a14:hiddenFill xmlns:a14="http://schemas.microsoft.com/office/drawing/2010/main">
+                <a:solidFill>
+                  <a:schemeClr val="bg1"/>
+                </a:solidFill>
+              </a14:hiddenFill>
+            </a:ext>
+            <a:ext uri="{91240B29-F687-4F45-9708-019B960494DF}">
+              <a14:hiddenLine xmlns:a14="http://schemas.microsoft.com/office/drawing/2010/main" w="6350">
+                <a:solidFill>
+                  <a:srgbClr val="FFFFFF"/>
+                </a:solidFill>
+                <a:prstDash val="solid"/>
+              </a14:hiddenLine>
+            </a:ext>
+          </a:extLst>
+        </p:spPr>
+        <p:style>
+          <a:lnRef idx="2">
+            <a:schemeClr val="accent1">
+              <a:shade val="50000"/>
+            </a:schemeClr>
+          </a:lnRef>
+          <a:fillRef idx="1">
+            <a:schemeClr val="accent1"/>
+          </a:fillRef>
+          <a:effectRef idx="0">
+            <a:schemeClr val="accent1"/>
+          </a:effectRef>
+          <a:fontRef idx="minor">
+            <a:schemeClr val="lt1"/>
+          </a:fontRef>
+        </p:style>
+        <p:txBody>
+          <a:bodyPr wrap="square" lIns="56626" tIns="25481" rIns="56626" bIns="25481" rtlCol="0" anchor="t">
+            <a:spAutoFit/>
+          </a:bodyPr>
+          <a:lstStyle>
+            <a:defPPr>
+              <a:defRPr lang="zh-CN"/>
+            </a:defPPr>
+            <a:lvl1pPr marL="0" algn="l" defTabSz="914400" rtl="0" eaLnBrk="1" latinLnBrk="0" hangingPunct="1">
+              <a:defRPr sz="1800" kern="1200">
+                <a:solidFill>
+                  <a:schemeClr val="lt1"/>
+                </a:solidFill>
+                <a:latin typeface="+mn-lt"/>
+                <a:ea typeface="+mn-ea"/>
+                <a:cs typeface="+mn-cs"/>
+              </a:defRPr>
+            </a:lvl1pPr>
+            <a:lvl2pPr marL="457200" algn="l" defTabSz="914400" rtl="0" eaLnBrk="1" latinLnBrk="0" hangingPunct="1">
+              <a:defRPr sz="1800" kern="1200">
+                <a:solidFill>
+                  <a:schemeClr val="lt1"/>
+                </a:solidFill>
+                <a:latin typeface="+mn-lt"/>
+                <a:ea typeface="+mn-ea"/>
+                <a:cs typeface="+mn-cs"/>
+              </a:defRPr>
+            </a:lvl2pPr>
+            <a:lvl3pPr marL="914400" algn="l" defTabSz="914400" rtl="0" eaLnBrk="1" latinLnBrk="0" hangingPunct="1">
+              <a:defRPr sz="1800" kern="1200">
+                <a:solidFill>
+                  <a:schemeClr val="lt1"/>
+                </a:solidFill>
+                <a:latin typeface="+mn-lt"/>
+                <a:ea typeface="+mn-ea"/>
+                <a:cs typeface="+mn-cs"/>
+              </a:defRPr>
+            </a:lvl3pPr>
+            <a:lvl4pPr marL="1371600" algn="l" defTabSz="914400" rtl="0" eaLnBrk="1" latinLnBrk="0" hangingPunct="1">
+              <a:defRPr sz="1800" kern="1200">
+                <a:solidFill>
+                  <a:schemeClr val="lt1"/>
+                </a:solidFill>
+                <a:latin typeface="+mn-lt"/>
+                <a:ea typeface="+mn-ea"/>
+                <a:cs typeface="+mn-cs"/>
+              </a:defRPr>
+            </a:lvl4pPr>
+            <a:lvl5pPr marL="1828800" algn="l" defTabSz="914400" rtl="0" eaLnBrk="1" latinLnBrk="0" hangingPunct="1">
+              <a:defRPr sz="1800" kern="1200">
+                <a:solidFill>
+                  <a:schemeClr val="lt1"/>
+                </a:solidFill>
+                <a:latin typeface="+mn-lt"/>
+                <a:ea typeface="+mn-ea"/>
+                <a:cs typeface="+mn-cs"/>
+              </a:defRPr>
+            </a:lvl5pPr>
+            <a:lvl6pPr marL="2286000" algn="l" defTabSz="914400" rtl="0" eaLnBrk="1" latinLnBrk="0" hangingPunct="1">
+              <a:defRPr sz="1800" kern="1200">
+                <a:solidFill>
+                  <a:schemeClr val="lt1"/>
+                </a:solidFill>
+                <a:latin typeface="+mn-lt"/>
+                <a:ea typeface="+mn-ea"/>
+                <a:cs typeface="+mn-cs"/>
+              </a:defRPr>
+            </a:lvl6pPr>
+            <a:lvl7pPr marL="2743200" algn="l" defTabSz="914400" rtl="0" eaLnBrk="1" latinLnBrk="0" hangingPunct="1">
+              <a:defRPr sz="1800" kern="1200">
+                <a:solidFill>
+                  <a:schemeClr val="lt1"/>
+                </a:solidFill>
+                <a:latin typeface="+mn-lt"/>
+                <a:ea typeface="+mn-ea"/>
+                <a:cs typeface="+mn-cs"/>
+              </a:defRPr>
+            </a:lvl7pPr>
+            <a:lvl8pPr marL="3200400" algn="l" defTabSz="914400" rtl="0" eaLnBrk="1" latinLnBrk="0" hangingPunct="1">
+              <a:defRPr sz="1800" kern="1200">
+                <a:solidFill>
+                  <a:schemeClr val="lt1"/>
+                </a:solidFill>
+                <a:latin typeface="+mn-lt"/>
+                <a:ea typeface="+mn-ea"/>
+                <a:cs typeface="+mn-cs"/>
+              </a:defRPr>
+            </a:lvl8pPr>
+            <a:lvl9pPr marL="3657600" algn="l" defTabSz="914400" rtl="0" eaLnBrk="1" latinLnBrk="0" hangingPunct="1">
+              <a:defRPr sz="1800" kern="1200">
+                <a:solidFill>
+                  <a:schemeClr val="lt1"/>
+                </a:solidFill>
+                <a:latin typeface="+mn-lt"/>
+                <a:ea typeface="+mn-ea"/>
+                <a:cs typeface="+mn-cs"/>
+              </a:defRPr>
+            </a:lvl9pPr>
+          </a:lstStyle>
+          <a:p>
+            <a:pPr algn="ctr"/>
+            <a:r>
+              <a:rPr lang="ru-RU" altLang="en-US" sz="2800" b="1" cap="small" noProof="1" smtClean="0">
+                <a:ln/>
+                <a:solidFill>
+                  <a:schemeClr val="tx1"/>
+                </a:solidFill>
+                <a:effectLst>
+                  <a:outerShdw blurRad="38100" dist="19050" dir="2700000" algn="tl" rotWithShape="0">
+                    <a:schemeClr val="dk1">
+                      <a:alpha val="40000"/>
+                    </a:schemeClr>
+                  </a:outerShdw>
+                </a:effectLst>
+                <a:latin typeface="Times New Roman" panose="02020603050405020304" pitchFamily="2" charset="0"/>
+                <a:ea typeface="Arial Unicode MS" panose="020B0604020202020204" charset="-122"/>
+                <a:cs typeface="Times New Roman" panose="02020603050405020304" pitchFamily="2" charset="0"/>
+              </a:rPr>
+              <a:t>А</a:t>
+            </a:r>
+            <a:r>
+              <a:rPr lang="ru-RU" altLang="en-US" sz="2800" b="1" strike="noStrike" cap="small" noProof="1" smtClean="0">
+                <a:ln/>
+                <a:solidFill>
+                  <a:schemeClr val="tx1"/>
+                </a:solidFill>
+                <a:effectLst>
+                  <a:outerShdw blurRad="38100" dist="19050" dir="2700000" algn="tl" rotWithShape="0">
+                    <a:schemeClr val="dk1">
+                      <a:alpha val="40000"/>
+                    </a:schemeClr>
+                  </a:outerShdw>
+                </a:effectLst>
+                <a:latin typeface="Times New Roman" panose="02020603050405020304" pitchFamily="2" charset="0"/>
+                <a:ea typeface="Arial Unicode MS" panose="020B0604020202020204" charset="-122"/>
+                <a:cs typeface="Times New Roman" panose="02020603050405020304" pitchFamily="2" charset="0"/>
+              </a:rPr>
+              <a:t>рхитектура ПО</a:t>
+            </a:r>
+            <a:endParaRPr lang="en-US" sz="2800" b="1" cap="small" noProof="1">
+              <a:solidFill>
+                <a:schemeClr val="tx1"/>
+              </a:solidFill>
+              <a:effectLst>
+                <a:outerShdw blurRad="38100" dist="19050" dir="2700000" algn="tl" rotWithShape="0">
+                  <a:schemeClr val="dk1">
+                    <a:alpha val="40000"/>
+                  </a:schemeClr>
+                </a:outerShdw>
+              </a:effectLst>
+              <a:latin typeface="Times New Roman" panose="02020603050405020304" pitchFamily="2" charset="0"/>
+              <a:ea typeface="Arial Unicode MS" panose="020B0604020202020204" charset="-122"/>
+              <a:cs typeface="Times New Roman" panose="02020603050405020304" pitchFamily="2" charset="0"/>
+            </a:endParaRPr>
+          </a:p>
+        </p:txBody>
+      </p:sp>
+    </p:spTree>
+    <p:extLst>
+      <p:ext uri="{BB962C8B-B14F-4D97-AF65-F5344CB8AC3E}">
+        <p14:creationId xmlns:p14="http://schemas.microsoft.com/office/powerpoint/2010/main" val="2543630292"/>
+      </p:ext>
+    </p:extLst>
+  </p:cSld>
+  <p:clrMapOvr>
+    <a:masterClrMapping/>
+  </p:clrMapOvr>
+  <p:transition>
+    <p:fade/>
+  </p:transition>
+  <p:timing>
+    <p:tnLst>
+      <p:par>
+        <p:cTn id="1" dur="indefinite" restart="never" nodeType="tmRoot">
+          <p:childTnLst>
+            <p:seq concurrent="1" nextAc="seek">
+              <p:cTn id="2" dur="indefinite" nodeType="mainSeq">
+                <p:childTnLst>
+                  <p:par>
+                    <p:cTn id="3" fill="hold">
+                      <p:stCondLst>
+                        <p:cond delay="indefinite"/>
+                        <p:cond evt="onBegin" delay="0">
+                          <p:tn val="2"/>
+                        </p:cond>
+                      </p:stCondLst>
+                      <p:childTnLst>
+                        <p:par>
+                          <p:cTn id="4" fill="hold">
+                            <p:stCondLst>
+                              <p:cond delay="0"/>
+                            </p:stCondLst>
+                            <p:childTnLst>
+                              <p:par>
+                                <p:cTn id="5" presetID="2" presetClass="entr" presetSubtype="8" fill="hold" grpId="0" nodeType="afterEffect">
+                                  <p:stCondLst>
+                                    <p:cond delay="0"/>
+                                  </p:stCondLst>
+                                  <p:childTnLst>
+                                    <p:set>
+                                      <p:cBhvr>
+                                        <p:cTn id="6" dur="1" fill="hold">
+                                          <p:stCondLst>
+                                            <p:cond delay="0"/>
+                                          </p:stCondLst>
+                                        </p:cTn>
+                                        <p:tgtEl>
+                                          <p:spTgt spid="3"/>
+                                        </p:tgtEl>
+                                        <p:attrNameLst>
+                                          <p:attrName>style.visibility</p:attrName>
+                                        </p:attrNameLst>
+                                      </p:cBhvr>
+                                      <p:to>
+                                        <p:strVal val="visible"/>
+                                      </p:to>
+                                    </p:set>
+                                    <p:anim calcmode="lin" valueType="num">
+                                      <p:cBhvr>
+                                        <p:cTn id="7" dur="500" fill="hold"/>
+                                        <p:tgtEl>
+                                          <p:spTgt spid="3"/>
+                                        </p:tgtEl>
+                                        <p:attrNameLst>
+                                          <p:attrName>ppt_x</p:attrName>
+                                        </p:attrNameLst>
+                                      </p:cBhvr>
+                                      <p:tavLst>
+                                        <p:tav tm="0">
+                                          <p:val>
+                                            <p:strVal val="0-#ppt_w/2"/>
+                                          </p:val>
+                                        </p:tav>
+                                        <p:tav tm="100000">
+                                          <p:val>
+                                            <p:strVal val="#ppt_x"/>
+                                          </p:val>
+                                        </p:tav>
+                                      </p:tavLst>
+                                    </p:anim>
+                                    <p:anim calcmode="lin" valueType="num">
+                                      <p:cBhvr>
+                                        <p:cTn id="8" dur="500" fill="hold"/>
+                                        <p:tgtEl>
+                                          <p:spTgt spid="3"/>
+                                        </p:tgtEl>
+                                        <p:attrNameLst>
+                                          <p:attrName>ppt_y</p:attrName>
+                                        </p:attrNameLst>
+                                      </p:cBhvr>
+                                      <p:tavLst>
+                                        <p:tav tm="0">
+                                          <p:val>
+                                            <p:strVal val="#ppt_y"/>
+                                          </p:val>
+                                        </p:tav>
+                                        <p:tav tm="100000">
+                                          <p:val>
+                                            <p:strVal val="#ppt_y"/>
+                                          </p:val>
+                                        </p:tav>
+                                      </p:tavLst>
+                                    </p:anim>
+                                  </p:childTnLst>
+                                </p:cTn>
+                              </p:par>
+                            </p:childTnLst>
+                          </p:cTn>
+                        </p:par>
+                        <p:par>
+                          <p:cTn id="9" fill="hold">
+                            <p:stCondLst>
+                              <p:cond delay="500"/>
+                            </p:stCondLst>
+                            <p:childTnLst>
+                              <p:par>
+                                <p:cTn id="10" presetID="2" presetClass="entr" presetSubtype="8" fill="hold" grpId="0" nodeType="afterEffect">
+                                  <p:stCondLst>
+                                    <p:cond delay="0"/>
+                                  </p:stCondLst>
+                                  <p:childTnLst>
+                                    <p:set>
+                                      <p:cBhvr>
+                                        <p:cTn id="11" dur="1" fill="hold">
+                                          <p:stCondLst>
+                                            <p:cond delay="0"/>
+                                          </p:stCondLst>
+                                        </p:cTn>
+                                        <p:tgtEl>
+                                          <p:spTgt spid="8"/>
+                                        </p:tgtEl>
+                                        <p:attrNameLst>
+                                          <p:attrName>style.visibility</p:attrName>
+                                        </p:attrNameLst>
+                                      </p:cBhvr>
+                                      <p:to>
+                                        <p:strVal val="visible"/>
+                                      </p:to>
+                                    </p:set>
+                                    <p:anim calcmode="lin" valueType="num">
+                                      <p:cBhvr>
+                                        <p:cTn id="12" dur="500" fill="hold"/>
+                                        <p:tgtEl>
+                                          <p:spTgt spid="8"/>
+                                        </p:tgtEl>
+                                        <p:attrNameLst>
+                                          <p:attrName>ppt_x</p:attrName>
+                                        </p:attrNameLst>
+                                      </p:cBhvr>
+                                      <p:tavLst>
+                                        <p:tav tm="0">
+                                          <p:val>
+                                            <p:strVal val="0-#ppt_w/2"/>
+                                          </p:val>
+                                        </p:tav>
+                                        <p:tav tm="100000">
+                                          <p:val>
+                                            <p:strVal val="#ppt_x"/>
+                                          </p:val>
+                                        </p:tav>
+                                      </p:tavLst>
+                                    </p:anim>
+                                    <p:anim calcmode="lin" valueType="num">
+                                      <p:cBhvr>
+                                        <p:cTn id="13" dur="500" fill="hold"/>
+                                        <p:tgtEl>
+                                          <p:spTgt spid="8"/>
+                                        </p:tgtEl>
+                                        <p:attrNameLst>
+                                          <p:attrName>ppt_y</p:attrName>
+                                        </p:attrNameLst>
+                                      </p:cBhvr>
+                                      <p:tavLst>
+                                        <p:tav tm="0">
+                                          <p:val>
+                                            <p:strVal val="#ppt_y"/>
+                                          </p:val>
+                                        </p:tav>
+                                        <p:tav tm="100000">
+                                          <p:val>
+                                            <p:strVal val="#ppt_y"/>
+                                          </p:val>
+                                        </p:tav>
+                                      </p:tavLst>
+                                    </p:anim>
+                                  </p:childTnLst>
+                                </p:cTn>
+                              </p:par>
+                            </p:childTnLst>
+                          </p:cTn>
+                        </p:par>
+                        <p:par>
+                          <p:cTn id="14" fill="hold">
+                            <p:stCondLst>
+                              <p:cond delay="1000"/>
+                            </p:stCondLst>
+                            <p:childTnLst>
+                              <p:par>
+                                <p:cTn id="15" presetID="49" presetClass="entr" presetSubtype="0" decel="100000" fill="hold" grpId="0" nodeType="afterEffect">
+                                  <p:stCondLst>
+                                    <p:cond delay="0"/>
+                                  </p:stCondLst>
+                                  <p:childTnLst>
+                                    <p:set>
+                                      <p:cBhvr>
+                                        <p:cTn id="16" dur="1" fill="hold">
+                                          <p:stCondLst>
+                                            <p:cond delay="0"/>
+                                          </p:stCondLst>
+                                        </p:cTn>
+                                        <p:tgtEl>
+                                          <p:spTgt spid="9"/>
+                                        </p:tgtEl>
+                                        <p:attrNameLst>
+                                          <p:attrName>style.visibility</p:attrName>
+                                        </p:attrNameLst>
+                                      </p:cBhvr>
+                                      <p:to>
+                                        <p:strVal val="visible"/>
+                                      </p:to>
+                                    </p:set>
+                                    <p:anim calcmode="lin" valueType="num">
+                                      <p:cBhvr>
+                                        <p:cTn id="17" dur="500" fill="hold"/>
+                                        <p:tgtEl>
+                                          <p:spTgt spid="9"/>
+                                        </p:tgtEl>
+                                        <p:attrNameLst>
+                                          <p:attrName>ppt_w</p:attrName>
+                                        </p:attrNameLst>
+                                      </p:cBhvr>
+                                      <p:tavLst>
+                                        <p:tav tm="0">
+                                          <p:val>
+                                            <p:fltVal val="0"/>
+                                          </p:val>
+                                        </p:tav>
+                                        <p:tav tm="100000">
+                                          <p:val>
+                                            <p:strVal val="#ppt_w"/>
+                                          </p:val>
+                                        </p:tav>
+                                      </p:tavLst>
+                                    </p:anim>
+                                    <p:anim calcmode="lin" valueType="num">
+                                      <p:cBhvr>
+                                        <p:cTn id="18" dur="500" fill="hold"/>
+                                        <p:tgtEl>
+                                          <p:spTgt spid="9"/>
+                                        </p:tgtEl>
+                                        <p:attrNameLst>
+                                          <p:attrName>ppt_h</p:attrName>
+                                        </p:attrNameLst>
+                                      </p:cBhvr>
+                                      <p:tavLst>
+                                        <p:tav tm="0">
+                                          <p:val>
+                                            <p:fltVal val="0"/>
+                                          </p:val>
+                                        </p:tav>
+                                        <p:tav tm="100000">
+                                          <p:val>
+                                            <p:strVal val="#ppt_h"/>
+                                          </p:val>
+                                        </p:tav>
+                                      </p:tavLst>
+                                    </p:anim>
+                                    <p:anim calcmode="lin" valueType="num">
+                                      <p:cBhvr>
+                                        <p:cTn id="19" dur="500" fill="hold"/>
+                                        <p:tgtEl>
+                                          <p:spTgt spid="9"/>
+                                        </p:tgtEl>
+                                        <p:attrNameLst>
+                                          <p:attrName>style.rotation</p:attrName>
+                                        </p:attrNameLst>
+                                      </p:cBhvr>
+                                      <p:tavLst>
+                                        <p:tav tm="0">
+                                          <p:val>
+                                            <p:fltVal val="360"/>
+                                          </p:val>
+                                        </p:tav>
+                                        <p:tav tm="100000">
+                                          <p:val>
+                                            <p:fltVal val="0"/>
+                                          </p:val>
+                                        </p:tav>
+                                      </p:tavLst>
+                                    </p:anim>
+                                    <p:animEffect transition="in" filter="fade">
+                                      <p:cBhvr>
+                                        <p:cTn id="20" dur="500"/>
+                                        <p:tgtEl>
+                                          <p:spTgt spid="9"/>
+                                        </p:tgtEl>
+                                      </p:cBhvr>
+                                    </p:animEffect>
+                                  </p:childTnLst>
+                                </p:cTn>
+                              </p:par>
+                            </p:childTnLst>
+                          </p:cTn>
+                        </p:par>
+                      </p:childTnLst>
+                    </p:cTn>
+                  </p:par>
+                </p:childTnLst>
+              </p:cTn>
+              <p:prevCondLst>
+                <p:cond evt="onPrev" delay="0">
+                  <p:tgtEl>
+                    <p:sldTgt/>
+                  </p:tgtEl>
+                </p:cond>
+              </p:prevCondLst>
+              <p:nextCondLst>
+                <p:cond evt="onNext" delay="0">
+                  <p:tgtEl>
+                    <p:sldTgt/>
+                  </p:tgtEl>
+                </p:cond>
+              </p:nextCondLst>
+            </p:seq>
+          </p:childTnLst>
+        </p:cTn>
+      </p:par>
+    </p:tnLst>
+    <p:bldLst>
+      <p:bldP spid="3" grpId="0" bldLvl="0" animBg="1"/>
+      <p:bldP spid="8" grpId="0"/>
+      <p:bldP spid="9" grpId="0" bldLvl="0" animBg="1"/>
+    </p:bldLst>
+  </p:timing>
+</p:sld>
+</file>
+
+<file path=ppt/slides/slide11.xml><?xml version="1.0" encoding="utf-8"?>
+<p:sld xmlns:a="http://schemas.openxmlformats.org/drawingml/2006/main" xmlns:r="http://schemas.openxmlformats.org/officeDocument/2006/relationships" xmlns:p="http://schemas.openxmlformats.org/presentationml/2006/main">
+  <p:cSld>
+    <p:spTree>
+      <p:nvGrpSpPr>
+        <p:cNvPr id="1" name=""/>
+        <p:cNvGrpSpPr/>
+        <p:nvPr/>
+      </p:nvGrpSpPr>
+      <p:grpSpPr>
+        <a:xfrm>
+          <a:off x="0" y="0"/>
+          <a:ext cx="0" cy="0"/>
+          <a:chOff x="0" y="0"/>
+          <a:chExt cx="0" cy="0"/>
+        </a:xfrm>
+      </p:grpSpPr>
       <p:pic>
         <p:nvPicPr>
           <p:cNvPr id="281602" name="图片 1"/>
@@ -10522,7 +11590,7 @@
         <p:spPr>
           <a:xfrm>
             <a:off x="238125" y="2758440"/>
-            <a:ext cx="3771900" cy="1383665"/>
+            <a:ext cx="3771900" cy="1384995"/>
           </a:xfrm>
           <a:prstGeom prst="rect">
             <a:avLst/>
@@ -10558,11 +11626,57 @@
             </a:r>
           </a:p>
           <a:p>
+            <a:pPr>
+              <a:lnSpc>
+                <a:spcPct val="150000"/>
+              </a:lnSpc>
+            </a:pPr>
+            <a:r>
+              <a:rPr lang="ru-RU" altLang="en-US" sz="1400" noProof="1">
+                <a:latin typeface="Times New Roman" panose="02020603050405020304" pitchFamily="2" charset="0"/>
+                <a:ea typeface="Arial Unicode MS" panose="020B0604020202020204" charset="-122"/>
+                <a:cs typeface="Times New Roman" panose="02020603050405020304" pitchFamily="2" charset="0"/>
+                <a:sym typeface="Microsoft YaHei" panose="020B0503020204020204" charset="-122"/>
+              </a:rPr>
+              <a:t>- Создание </a:t>
+            </a:r>
+            <a:r>
+              <a:rPr lang="ru-RU" altLang="en-US" sz="1400" noProof="1" smtClean="0">
+                <a:latin typeface="Times New Roman" panose="02020603050405020304" pitchFamily="2" charset="0"/>
+                <a:ea typeface="Arial Unicode MS" panose="020B0604020202020204" charset="-122"/>
+                <a:cs typeface="Times New Roman" panose="02020603050405020304" pitchFamily="2" charset="0"/>
+                <a:sym typeface="Microsoft YaHei" panose="020B0503020204020204" charset="-122"/>
+              </a:rPr>
+              <a:t>тестов</a:t>
+            </a:r>
+            <a:endParaRPr lang="ru-RU" altLang="en-US" sz="1400" strike="noStrike" noProof="1" smtClean="0">
+              <a:solidFill>
+                <a:schemeClr val="tx1"/>
+              </a:solidFill>
+              <a:latin typeface="Times New Roman" panose="02020603050405020304" pitchFamily="2" charset="0"/>
+              <a:ea typeface="Arial Unicode MS" panose="020B0604020202020204" charset="-122"/>
+              <a:cs typeface="Times New Roman" panose="02020603050405020304" pitchFamily="2" charset="0"/>
+              <a:sym typeface="Microsoft YaHei" panose="020B0503020204020204" charset="-122"/>
+            </a:endParaRPr>
+          </a:p>
+          <a:p>
             <a:pPr lvl="0" fontAlgn="base">
               <a:lnSpc>
                 <a:spcPct val="150000"/>
               </a:lnSpc>
             </a:pPr>
+            <a:r>
+              <a:rPr lang="ru-RU" altLang="en-US" sz="1400" strike="noStrike" noProof="1" smtClean="0">
+                <a:solidFill>
+                  <a:schemeClr val="tx1"/>
+                </a:solidFill>
+                <a:latin typeface="Times New Roman" panose="02020603050405020304" pitchFamily="2" charset="0"/>
+                <a:ea typeface="Arial Unicode MS" panose="020B0604020202020204" charset="-122"/>
+                <a:cs typeface="Times New Roman" panose="02020603050405020304" pitchFamily="2" charset="0"/>
+                <a:sym typeface="Microsoft YaHei" panose="020B0503020204020204" charset="-122"/>
+              </a:rPr>
+              <a:t>- </a:t>
+            </a:r>
             <a:r>
               <a:rPr lang="ru-RU" altLang="en-US" sz="1400" strike="noStrike" noProof="1">
                 <a:solidFill>
@@ -10573,7 +11687,7 @@
                 <a:cs typeface="Times New Roman" panose="02020603050405020304" pitchFamily="2" charset="0"/>
                 <a:sym typeface="Microsoft YaHei" panose="020B0503020204020204" charset="-122"/>
               </a:rPr>
-              <a:t>- Ведение базы пользователей</a:t>
+              <a:t>Ведение базы пользователей</a:t>
             </a:r>
           </a:p>
           <a:p>
@@ -10582,6 +11696,18 @@
                 <a:spcPct val="150000"/>
               </a:lnSpc>
             </a:pPr>
+            <a:r>
+              <a:rPr lang="ru-RU" altLang="en-US" sz="1400" strike="noStrike" noProof="1" smtClean="0">
+                <a:solidFill>
+                  <a:schemeClr val="tx1"/>
+                </a:solidFill>
+                <a:latin typeface="Times New Roman" panose="02020603050405020304" pitchFamily="2" charset="0"/>
+                <a:ea typeface="Arial Unicode MS" panose="020B0604020202020204" charset="-122"/>
+                <a:cs typeface="Times New Roman" panose="02020603050405020304" pitchFamily="2" charset="0"/>
+                <a:sym typeface="Microsoft YaHei" panose="020B0503020204020204" charset="-122"/>
+              </a:rPr>
+              <a:t>- </a:t>
+            </a:r>
             <a:r>
               <a:rPr lang="ru-RU" altLang="en-US" sz="1400" strike="noStrike" noProof="1">
                 <a:solidFill>
@@ -10592,26 +11718,7 @@
                 <a:cs typeface="Times New Roman" panose="02020603050405020304" pitchFamily="2" charset="0"/>
                 <a:sym typeface="Microsoft YaHei" panose="020B0503020204020204" charset="-122"/>
               </a:rPr>
-              <a:t>- Создание тестов</a:t>
-            </a:r>
-          </a:p>
-          <a:p>
-            <a:pPr lvl="0" fontAlgn="base">
-              <a:lnSpc>
-                <a:spcPct val="150000"/>
-              </a:lnSpc>
-            </a:pPr>
-            <a:r>
-              <a:rPr lang="ru-RU" altLang="en-US" sz="1400" strike="noStrike" noProof="1">
-                <a:solidFill>
-                  <a:schemeClr val="tx1"/>
-                </a:solidFill>
-                <a:latin typeface="Times New Roman" panose="02020603050405020304" pitchFamily="2" charset="0"/>
-                <a:ea typeface="Arial Unicode MS" panose="020B0604020202020204" charset="-122"/>
-                <a:cs typeface="Times New Roman" panose="02020603050405020304" pitchFamily="2" charset="0"/>
-                <a:sym typeface="Microsoft YaHei" panose="020B0503020204020204" charset="-122"/>
-              </a:rPr>
-              <a:t>- Проверка обученности сотрудников</a:t>
+              <a:t>Проверка обученности сотрудников</a:t>
             </a:r>
           </a:p>
         </p:txBody>
@@ -10846,6 +11953,11 @@
         </p:spPr>
       </p:pic>
     </p:spTree>
+    <p:extLst>
+      <p:ext uri="{BB962C8B-B14F-4D97-AF65-F5344CB8AC3E}">
+        <p14:creationId xmlns:p14="http://schemas.microsoft.com/office/powerpoint/2010/main" val="1394288412"/>
+      </p:ext>
+    </p:extLst>
   </p:cSld>
   <p:clrMapOvr>
     <a:masterClrMapping/>
@@ -11255,7 +12367,7 @@
 </p:sld>
 </file>
 
-<file path=ppt/slides/slide11.xml><?xml version="1.0" encoding="utf-8"?>
+<file path=ppt/slides/slide12.xml><?xml version="1.0" encoding="utf-8"?>
 <p:sld xmlns:a="http://schemas.openxmlformats.org/drawingml/2006/main" xmlns:r="http://schemas.openxmlformats.org/officeDocument/2006/relationships" xmlns:p="http://schemas.openxmlformats.org/presentationml/2006/main">
   <p:cSld>
     <p:spTree>
@@ -11866,7 +12978,7 @@
 </p:sld>
 </file>
 
-<file path=ppt/slides/slide12.xml><?xml version="1.0" encoding="utf-8"?>
+<file path=ppt/slides/slide13.xml><?xml version="1.0" encoding="utf-8"?>
 <p:sld xmlns:a="http://schemas.openxmlformats.org/drawingml/2006/main" xmlns:r="http://schemas.openxmlformats.org/officeDocument/2006/relationships" xmlns:p="http://schemas.openxmlformats.org/presentationml/2006/main">
   <p:cSld>
     <p:spTree>
@@ -12100,7 +13212,7 @@
                 <a:cs typeface="Times New Roman" panose="02020603050405020304" pitchFamily="2" charset="0"/>
                 <a:sym typeface="Microsoft YaHei" panose="020B0503020204020204" charset="-122"/>
               </a:rPr>
-              <a:t>Ведение базы пользователей</a:t>
+              <a:t>Создание тестов</a:t>
             </a:r>
             <a:endParaRPr lang="en-US" sz="2800" b="1" strike="noStrike" cap="small" noProof="1" smtClean="0">
               <a:solidFill>
@@ -12170,7 +13282,7 @@
       </p:sp>
       <p:pic>
         <p:nvPicPr>
-          <p:cNvPr id="66" name="Изображение 48"/>
+          <p:cNvPr id="10" name="Изображение 10"/>
           <p:cNvPicPr>
             <a:picLocks noChangeAspect="1"/>
           </p:cNvPicPr>
@@ -12178,45 +13290,15 @@
         </p:nvPicPr>
         <p:blipFill>
           <a:blip r:embed="rId2"/>
+          <a:srcRect l="17430" t="26340" r="7573" b="6647"/>
           <a:stretch>
             <a:fillRect/>
           </a:stretch>
         </p:blipFill>
         <p:spPr>
           <a:xfrm>
-            <a:off x="840105" y="1912620"/>
-            <a:ext cx="3970020" cy="1628775"/>
-          </a:xfrm>
-          <a:prstGeom prst="rect">
-            <a:avLst/>
-          </a:prstGeom>
-          <a:noFill/>
-          <a:ln>
-            <a:solidFill>
-              <a:schemeClr val="tx1"/>
-            </a:solidFill>
-          </a:ln>
-        </p:spPr>
-      </p:pic>
-      <p:pic>
-        <p:nvPicPr>
-          <p:cNvPr id="67" name="Изображение 49"/>
-          <p:cNvPicPr>
-            <a:picLocks noChangeAspect="1"/>
-          </p:cNvPicPr>
-          <p:nvPr/>
-        </p:nvPicPr>
-        <p:blipFill>
-          <a:blip r:embed="rId3"/>
-          <a:srcRect l="7546" t="6865" r="6307" b="7063"/>
-          <a:stretch>
-            <a:fillRect/>
-          </a:stretch>
-        </p:blipFill>
-        <p:spPr>
-          <a:xfrm>
-            <a:off x="5588635" y="1624330"/>
-            <a:ext cx="2385060" cy="2205355"/>
+            <a:off x="2722880" y="1675130"/>
+            <a:ext cx="3699510" cy="2154555"/>
           </a:xfrm>
           <a:prstGeom prst="rect">
             <a:avLst/>
@@ -12481,7 +13563,7 @@
 </p:sld>
 </file>
 
-<file path=ppt/slides/slide13.xml><?xml version="1.0" encoding="utf-8"?>
+<file path=ppt/slides/slide14.xml><?xml version="1.0" encoding="utf-8"?>
 <p:sld xmlns:a="http://schemas.openxmlformats.org/drawingml/2006/main" xmlns:r="http://schemas.openxmlformats.org/officeDocument/2006/relationships" xmlns:p="http://schemas.openxmlformats.org/presentationml/2006/main">
   <p:cSld>
     <p:spTree>
@@ -12715,7 +13797,7 @@
                 <a:cs typeface="Times New Roman" panose="02020603050405020304" pitchFamily="2" charset="0"/>
                 <a:sym typeface="Microsoft YaHei" panose="020B0503020204020204" charset="-122"/>
               </a:rPr>
-              <a:t>Создание тестов</a:t>
+              <a:t>Ведение базы пользователей</a:t>
             </a:r>
             <a:endParaRPr lang="en-US" sz="2800" b="1" strike="noStrike" cap="small" noProof="1" smtClean="0">
               <a:solidFill>
@@ -12785,7 +13867,7 @@
       </p:sp>
       <p:pic>
         <p:nvPicPr>
-          <p:cNvPr id="10" name="Изображение 10"/>
+          <p:cNvPr id="66" name="Изображение 48"/>
           <p:cNvPicPr>
             <a:picLocks noChangeAspect="1"/>
           </p:cNvPicPr>
@@ -12793,15 +13875,45 @@
         </p:nvPicPr>
         <p:blipFill>
           <a:blip r:embed="rId2"/>
-          <a:srcRect l="17430" t="26340" r="7573" b="6647"/>
           <a:stretch>
             <a:fillRect/>
           </a:stretch>
         </p:blipFill>
         <p:spPr>
           <a:xfrm>
-            <a:off x="2722880" y="1675130"/>
-            <a:ext cx="3699510" cy="2154555"/>
+            <a:off x="840105" y="1912620"/>
+            <a:ext cx="3970020" cy="1628775"/>
+          </a:xfrm>
+          <a:prstGeom prst="rect">
+            <a:avLst/>
+          </a:prstGeom>
+          <a:noFill/>
+          <a:ln>
+            <a:solidFill>
+              <a:schemeClr val="tx1"/>
+            </a:solidFill>
+          </a:ln>
+        </p:spPr>
+      </p:pic>
+      <p:pic>
+        <p:nvPicPr>
+          <p:cNvPr id="67" name="Изображение 49"/>
+          <p:cNvPicPr>
+            <a:picLocks noChangeAspect="1"/>
+          </p:cNvPicPr>
+          <p:nvPr/>
+        </p:nvPicPr>
+        <p:blipFill>
+          <a:blip r:embed="rId3"/>
+          <a:srcRect l="7546" t="6865" r="6307" b="7063"/>
+          <a:stretch>
+            <a:fillRect/>
+          </a:stretch>
+        </p:blipFill>
+        <p:spPr>
+          <a:xfrm>
+            <a:off x="5588635" y="1624330"/>
+            <a:ext cx="2385060" cy="2205355"/>
           </a:xfrm>
           <a:prstGeom prst="rect">
             <a:avLst/>
@@ -13066,7 +14178,7 @@
 </p:sld>
 </file>
 
-<file path=ppt/slides/slide14.xml><?xml version="1.0" encoding="utf-8"?>
+<file path=ppt/slides/slide15.xml><?xml version="1.0" encoding="utf-8"?>
 <p:sld xmlns:a="http://schemas.openxmlformats.org/drawingml/2006/main" xmlns:r="http://schemas.openxmlformats.org/officeDocument/2006/relationships" xmlns:p="http://schemas.openxmlformats.org/presentationml/2006/main">
   <p:cSld>
     <p:spTree>
@@ -13651,7 +14763,7 @@
 </p:sld>
 </file>
 
-<file path=ppt/slides/slide15.xml><?xml version="1.0" encoding="utf-8"?>
+<file path=ppt/slides/slide16.xml><?xml version="1.0" encoding="utf-8"?>
 <p:sld xmlns:a="http://schemas.openxmlformats.org/drawingml/2006/main" xmlns:r="http://schemas.openxmlformats.org/officeDocument/2006/relationships" xmlns:p="http://schemas.openxmlformats.org/presentationml/2006/main">
   <p:cSld>
     <p:spTree>
@@ -13738,8 +14850,62 @@
                 <a:cs typeface="Times New Roman" panose="02020603050405020304" pitchFamily="2" charset="0"/>
                 <a:sym typeface="Microsoft YaHei" panose="020B0503020204020204" charset="-122"/>
               </a:rPr>
-              <a:t>- Ознакомление с новой информацией</a:t>
+              <a:t>- </a:t>
             </a:r>
+            <a:r>
+              <a:rPr lang="ru-RU" altLang="en-US" sz="1400" noProof="1" smtClean="0">
+                <a:latin typeface="Times New Roman" panose="02020603050405020304" pitchFamily="2" charset="0"/>
+                <a:ea typeface="Arial Unicode MS" panose="020B0604020202020204" charset="-122"/>
+                <a:cs typeface="Times New Roman" panose="02020603050405020304" pitchFamily="2" charset="0"/>
+                <a:sym typeface="Microsoft YaHei" panose="020B0503020204020204" charset="-122"/>
+              </a:rPr>
+              <a:t>Знакомство</a:t>
+            </a:r>
+            <a:r>
+              <a:rPr lang="ru-RU" altLang="en-US" sz="1400" strike="noStrike" noProof="1" smtClean="0">
+                <a:solidFill>
+                  <a:schemeClr val="tx1"/>
+                </a:solidFill>
+                <a:latin typeface="Times New Roman" panose="02020603050405020304" pitchFamily="2" charset="0"/>
+                <a:ea typeface="Arial Unicode MS" panose="020B0604020202020204" charset="-122"/>
+                <a:cs typeface="Times New Roman" panose="02020603050405020304" pitchFamily="2" charset="0"/>
+                <a:sym typeface="Microsoft YaHei" panose="020B0503020204020204" charset="-122"/>
+              </a:rPr>
+              <a:t> </a:t>
+            </a:r>
+            <a:r>
+              <a:rPr lang="ru-RU" altLang="en-US" sz="1400" strike="noStrike" noProof="1">
+                <a:solidFill>
+                  <a:schemeClr val="tx1"/>
+                </a:solidFill>
+                <a:latin typeface="Times New Roman" panose="02020603050405020304" pitchFamily="2" charset="0"/>
+                <a:ea typeface="Arial Unicode MS" panose="020B0604020202020204" charset="-122"/>
+                <a:cs typeface="Times New Roman" panose="02020603050405020304" pitchFamily="2" charset="0"/>
+                <a:sym typeface="Microsoft YaHei" panose="020B0503020204020204" charset="-122"/>
+              </a:rPr>
+              <a:t>с </a:t>
+            </a:r>
+            <a:r>
+              <a:rPr lang="ru-RU" altLang="en-US" sz="1400" strike="noStrike" noProof="1" smtClean="0">
+                <a:solidFill>
+                  <a:schemeClr val="tx1"/>
+                </a:solidFill>
+                <a:latin typeface="Times New Roman" panose="02020603050405020304" pitchFamily="2" charset="0"/>
+                <a:ea typeface="Arial Unicode MS" panose="020B0604020202020204" charset="-122"/>
+                <a:cs typeface="Times New Roman" panose="02020603050405020304" pitchFamily="2" charset="0"/>
+                <a:sym typeface="Microsoft YaHei" panose="020B0503020204020204" charset="-122"/>
+              </a:rPr>
+              <a:t>информацией статьи</a:t>
+            </a:r>
+            <a:endParaRPr lang="ru-RU" altLang="en-US" sz="1400" strike="noStrike" noProof="1">
+              <a:solidFill>
+                <a:schemeClr val="tx1"/>
+              </a:solidFill>
+              <a:latin typeface="Times New Roman" panose="02020603050405020304" pitchFamily="2" charset="0"/>
+              <a:ea typeface="Arial Unicode MS" panose="020B0604020202020204" charset="-122"/>
+              <a:cs typeface="Times New Roman" panose="02020603050405020304" pitchFamily="2" charset="0"/>
+              <a:sym typeface="Microsoft YaHei" panose="020B0503020204020204" charset="-122"/>
+            </a:endParaRPr>
           </a:p>
           <a:p>
             <a:pPr lvl="0" fontAlgn="base">
@@ -14405,7 +15571,7 @@
 </p:sld>
 </file>
 
-<file path=ppt/slides/slide16.xml><?xml version="1.0" encoding="utf-8"?>
+<file path=ppt/slides/slide17.xml><?xml version="1.0" encoding="utf-8"?>
 <p:sld xmlns:a="http://schemas.openxmlformats.org/drawingml/2006/main" xmlns:r="http://schemas.openxmlformats.org/officeDocument/2006/relationships" xmlns:p="http://schemas.openxmlformats.org/presentationml/2006/main">
   <p:cSld>
     <p:spTree>
@@ -14630,7 +15796,7 @@
               </a:lnSpc>
             </a:pPr>
             <a:r>
-              <a:rPr lang="ru-RU" altLang="en-US" sz="2800" dirty="0">
+              <a:rPr lang="ru-RU" altLang="en-US" sz="2800" dirty="0" smtClean="0">
                 <a:solidFill>
                   <a:schemeClr val="tx1"/>
                 </a:solidFill>
@@ -14639,7 +15805,7 @@
                 <a:cs typeface="Times New Roman" panose="02020603050405020304" pitchFamily="2" charset="0"/>
                 <a:sym typeface="Microsoft YaHei" panose="020B0503020204020204" charset="-122"/>
               </a:rPr>
-              <a:t>Ознакомление с новой информацией</a:t>
+              <a:t>Знакомство с информацией статьи</a:t>
             </a:r>
             <a:endParaRPr lang="en-US" sz="2800" strike="noStrike" cap="small" noProof="1" smtClean="0">
               <a:solidFill>
@@ -14989,7 +16155,7 @@
 </p:sld>
 </file>
 
-<file path=ppt/slides/slide17.xml><?xml version="1.0" encoding="utf-8"?>
+<file path=ppt/slides/slide18.xml><?xml version="1.0" encoding="utf-8"?>
 <p:sld xmlns:a="http://schemas.openxmlformats.org/drawingml/2006/main" xmlns:r="http://schemas.openxmlformats.org/officeDocument/2006/relationships" xmlns:p="http://schemas.openxmlformats.org/presentationml/2006/main">
   <p:cSld>
     <p:spTree>
@@ -15605,7 +16771,7 @@
 </p:sld>
 </file>
 
-<file path=ppt/slides/slide18.xml><?xml version="1.0" encoding="utf-8"?>
+<file path=ppt/slides/slide19.xml><?xml version="1.0" encoding="utf-8"?>
 <p:sld xmlns:a="http://schemas.openxmlformats.org/drawingml/2006/main" xmlns:r="http://schemas.openxmlformats.org/officeDocument/2006/relationships" xmlns:p="http://schemas.openxmlformats.org/presentationml/2006/main">
   <p:cSld>
     <p:bg>
@@ -15657,7 +16823,7 @@
           <a:p>
             <a:pPr algn="ctr"/>
             <a:r>
-              <a:rPr lang="ru-RU" sz="2800" b="1">
+              <a:rPr lang="ru-RU" sz="2800" b="1" dirty="0">
                 <a:solidFill>
                   <a:schemeClr val="bg1"/>
                 </a:solidFill>
@@ -15668,7 +16834,7 @@
               </a:rPr>
               <a:t>Заключение</a:t>
             </a:r>
-            <a:endParaRPr lang="ru-RU" altLang="en-US" sz="2800" b="1">
+            <a:endParaRPr lang="ru-RU" altLang="en-US" sz="2800" b="1" dirty="0">
               <a:solidFill>
                 <a:schemeClr val="bg1"/>
               </a:solidFill>
@@ -16542,950 +17708,6 @@
     <p:bldLst>
       <p:bldP spid="24579" grpId="0"/>
       <p:bldP spid="24581" grpId="0"/>
-      <p:bldP spid="3" grpId="0" bldLvl="0" animBg="1"/>
-      <p:bldP spid="4" grpId="0" bldLvl="0" animBg="1"/>
-      <p:bldP spid="5" grpId="0" bldLvl="0" animBg="1"/>
-      <p:bldP spid="7" grpId="0" bldLvl="0" animBg="1"/>
-    </p:bldLst>
-  </p:timing>
-</p:sld>
-</file>
-
-<file path=ppt/slides/slide19.xml><?xml version="1.0" encoding="utf-8"?>
-<p:sld xmlns:a="http://schemas.openxmlformats.org/drawingml/2006/main" xmlns:r="http://schemas.openxmlformats.org/officeDocument/2006/relationships" xmlns:p="http://schemas.openxmlformats.org/presentationml/2006/main">
-  <p:cSld>
-    <p:bg>
-      <p:bgPr>
-        <a:solidFill>
-          <a:srgbClr val="002748"/>
-        </a:solidFill>
-        <a:effectLst/>
-      </p:bgPr>
-    </p:bg>
-    <p:spTree>
-      <p:nvGrpSpPr>
-        <p:cNvPr id="1" name=""/>
-        <p:cNvGrpSpPr/>
-        <p:nvPr/>
-      </p:nvGrpSpPr>
-      <p:grpSpPr>
-        <a:xfrm>
-          <a:off x="0" y="0"/>
-          <a:ext cx="0" cy="0"/>
-          <a:chOff x="0" y="0"/>
-          <a:chExt cx="0" cy="0"/>
-        </a:xfrm>
-      </p:grpSpPr>
-      <p:sp>
-        <p:nvSpPr>
-          <p:cNvPr id="24579" name="文本框 2"/>
-          <p:cNvSpPr txBox="1"/>
-          <p:nvPr/>
-        </p:nvSpPr>
-        <p:spPr>
-          <a:xfrm>
-            <a:off x="1562100" y="2312988"/>
-            <a:ext cx="6011863" cy="583565"/>
-          </a:xfrm>
-          <a:prstGeom prst="rect">
-            <a:avLst/>
-          </a:prstGeom>
-          <a:noFill/>
-          <a:ln w="9525">
-            <a:noFill/>
-          </a:ln>
-        </p:spPr>
-        <p:txBody>
-          <a:bodyPr wrap="square" anchor="t">
-            <a:spAutoFit/>
-          </a:bodyPr>
-          <a:lstStyle/>
-          <a:p>
-            <a:pPr algn="dist"/>
-            <a:r>
-              <a:rPr lang="ru-RU" altLang="en-US" sz="3200" b="1">
-                <a:solidFill>
-                  <a:schemeClr val="bg1"/>
-                </a:solidFill>
-                <a:latin typeface="Times New Roman" panose="02020603050405020304" pitchFamily="2" charset="0"/>
-                <a:ea typeface="Arial Unicode MS" panose="020B0604020202020204" charset="-122"/>
-                <a:cs typeface="Times New Roman" panose="02020603050405020304" pitchFamily="2" charset="0"/>
-              </a:rPr>
-              <a:t>Спасибо за внимание!</a:t>
-            </a:r>
-          </a:p>
-        </p:txBody>
-      </p:sp>
-      <p:sp>
-        <p:nvSpPr>
-          <p:cNvPr id="2" name="矩形 1"/>
-          <p:cNvSpPr/>
-          <p:nvPr/>
-        </p:nvSpPr>
-        <p:spPr>
-          <a:xfrm>
-            <a:off x="-9525" y="3232150"/>
-            <a:ext cx="9153525" cy="76200"/>
-          </a:xfrm>
-          <a:prstGeom prst="rect">
-            <a:avLst/>
-          </a:prstGeom>
-          <a:solidFill>
-            <a:srgbClr val="FF9900"/>
-          </a:solidFill>
-          <a:ln>
-            <a:noFill/>
-          </a:ln>
-        </p:spPr>
-        <p:style>
-          <a:lnRef idx="2">
-            <a:schemeClr val="accent1">
-              <a:shade val="50000"/>
-            </a:schemeClr>
-          </a:lnRef>
-          <a:fillRef idx="1">
-            <a:schemeClr val="accent1"/>
-          </a:fillRef>
-          <a:effectRef idx="0">
-            <a:schemeClr val="accent1"/>
-          </a:effectRef>
-          <a:fontRef idx="minor">
-            <a:schemeClr val="lt1"/>
-          </a:fontRef>
-        </p:style>
-        <p:txBody>
-          <a:bodyPr rtlCol="0" anchor="ctr"/>
-          <a:lstStyle/>
-          <a:p>
-            <a:pPr algn="ctr" fontAlgn="base"/>
-            <a:endParaRPr lang="zh-CN" altLang="en-US" strike="noStrike" noProof="1">
-              <a:ea typeface="Arial Unicode MS" panose="020B0604020202020204" charset="-122"/>
-            </a:endParaRPr>
-          </a:p>
-        </p:txBody>
-      </p:sp>
-      <p:sp>
-        <p:nvSpPr>
-          <p:cNvPr id="3" name="等腰三角形 2"/>
-          <p:cNvSpPr/>
-          <p:nvPr/>
-        </p:nvSpPr>
-        <p:spPr>
-          <a:xfrm rot="8100000">
-            <a:off x="1273493" y="1687513"/>
-            <a:ext cx="336550" cy="290513"/>
-          </a:xfrm>
-          <a:prstGeom prst="triangle">
-            <a:avLst/>
-          </a:prstGeom>
-          <a:solidFill>
-            <a:srgbClr val="FF9900"/>
-          </a:solidFill>
-          <a:ln>
-            <a:noFill/>
-          </a:ln>
-        </p:spPr>
-        <p:style>
-          <a:lnRef idx="2">
-            <a:schemeClr val="accent1">
-              <a:shade val="50000"/>
-            </a:schemeClr>
-          </a:lnRef>
-          <a:fillRef idx="1">
-            <a:schemeClr val="accent1"/>
-          </a:fillRef>
-          <a:effectRef idx="0">
-            <a:schemeClr val="accent1"/>
-          </a:effectRef>
-          <a:fontRef idx="minor">
-            <a:schemeClr val="lt1"/>
-          </a:fontRef>
-        </p:style>
-        <p:txBody>
-          <a:bodyPr rtlCol="0" anchor="ctr"/>
-          <a:lstStyle/>
-          <a:p>
-            <a:pPr algn="ctr" fontAlgn="base"/>
-            <a:endParaRPr lang="zh-CN" altLang="en-US" strike="noStrike" noProof="1">
-              <a:ea typeface="Arial Unicode MS" panose="020B0604020202020204" charset="-122"/>
-            </a:endParaRPr>
-          </a:p>
-        </p:txBody>
-      </p:sp>
-      <p:sp>
-        <p:nvSpPr>
-          <p:cNvPr id="4" name="等腰三角形 3"/>
-          <p:cNvSpPr/>
-          <p:nvPr/>
-        </p:nvSpPr>
-        <p:spPr>
-          <a:xfrm rot="1740000">
-            <a:off x="3163570" y="1178243"/>
-            <a:ext cx="261938" cy="225425"/>
-          </a:xfrm>
-          <a:prstGeom prst="triangle">
-            <a:avLst/>
-          </a:prstGeom>
-          <a:solidFill>
-            <a:schemeClr val="bg1"/>
-          </a:solidFill>
-          <a:ln>
-            <a:noFill/>
-          </a:ln>
-        </p:spPr>
-        <p:style>
-          <a:lnRef idx="2">
-            <a:schemeClr val="accent1">
-              <a:shade val="50000"/>
-            </a:schemeClr>
-          </a:lnRef>
-          <a:fillRef idx="1">
-            <a:schemeClr val="accent1"/>
-          </a:fillRef>
-          <a:effectRef idx="0">
-            <a:schemeClr val="accent1"/>
-          </a:effectRef>
-          <a:fontRef idx="minor">
-            <a:schemeClr val="lt1"/>
-          </a:fontRef>
-        </p:style>
-        <p:txBody>
-          <a:bodyPr rtlCol="0" anchor="ctr"/>
-          <a:lstStyle/>
-          <a:p>
-            <a:pPr algn="ctr" fontAlgn="base"/>
-            <a:endParaRPr lang="zh-CN" altLang="en-US" strike="noStrike" noProof="1">
-              <a:ea typeface="Arial Unicode MS" panose="020B0604020202020204" charset="-122"/>
-            </a:endParaRPr>
-          </a:p>
-        </p:txBody>
-      </p:sp>
-      <p:sp>
-        <p:nvSpPr>
-          <p:cNvPr id="5" name="等腰三角形 4"/>
-          <p:cNvSpPr/>
-          <p:nvPr/>
-        </p:nvSpPr>
-        <p:spPr>
-          <a:xfrm rot="11580000">
-            <a:off x="7515225" y="1787208"/>
-            <a:ext cx="336550" cy="290513"/>
-          </a:xfrm>
-          <a:prstGeom prst="triangle">
-            <a:avLst/>
-          </a:prstGeom>
-          <a:solidFill>
-            <a:srgbClr val="FF9900"/>
-          </a:solidFill>
-          <a:ln>
-            <a:noFill/>
-          </a:ln>
-        </p:spPr>
-        <p:style>
-          <a:lnRef idx="2">
-            <a:schemeClr val="accent1">
-              <a:shade val="50000"/>
-            </a:schemeClr>
-          </a:lnRef>
-          <a:fillRef idx="1">
-            <a:schemeClr val="accent1"/>
-          </a:fillRef>
-          <a:effectRef idx="0">
-            <a:schemeClr val="accent1"/>
-          </a:effectRef>
-          <a:fontRef idx="minor">
-            <a:schemeClr val="lt1"/>
-          </a:fontRef>
-        </p:style>
-        <p:txBody>
-          <a:bodyPr rtlCol="0" anchor="ctr"/>
-          <a:lstStyle/>
-          <a:p>
-            <a:pPr algn="ctr" fontAlgn="base"/>
-            <a:endParaRPr lang="zh-CN" altLang="en-US" strike="noStrike" noProof="1">
-              <a:ea typeface="Arial Unicode MS" panose="020B0604020202020204" charset="-122"/>
-            </a:endParaRPr>
-          </a:p>
-        </p:txBody>
-      </p:sp>
-      <p:sp>
-        <p:nvSpPr>
-          <p:cNvPr id="7" name="等腰三角形 6"/>
-          <p:cNvSpPr/>
-          <p:nvPr/>
-        </p:nvSpPr>
-        <p:spPr>
-          <a:xfrm rot="6360000">
-            <a:off x="5403533" y="1556385"/>
-            <a:ext cx="260350" cy="225425"/>
-          </a:xfrm>
-          <a:prstGeom prst="triangle">
-            <a:avLst/>
-          </a:prstGeom>
-          <a:solidFill>
-            <a:schemeClr val="bg1"/>
-          </a:solidFill>
-          <a:ln>
-            <a:noFill/>
-          </a:ln>
-        </p:spPr>
-        <p:style>
-          <a:lnRef idx="2">
-            <a:schemeClr val="accent1">
-              <a:shade val="50000"/>
-            </a:schemeClr>
-          </a:lnRef>
-          <a:fillRef idx="1">
-            <a:schemeClr val="accent1"/>
-          </a:fillRef>
-          <a:effectRef idx="0">
-            <a:schemeClr val="accent1"/>
-          </a:effectRef>
-          <a:fontRef idx="minor">
-            <a:schemeClr val="lt1"/>
-          </a:fontRef>
-        </p:style>
-        <p:txBody>
-          <a:bodyPr rtlCol="0" anchor="ctr"/>
-          <a:lstStyle/>
-          <a:p>
-            <a:pPr algn="ctr" fontAlgn="base"/>
-            <a:endParaRPr lang="zh-CN" altLang="en-US" strike="noStrike" noProof="1">
-              <a:ea typeface="Arial Unicode MS" panose="020B0604020202020204" charset="-122"/>
-            </a:endParaRPr>
-          </a:p>
-        </p:txBody>
-      </p:sp>
-    </p:spTree>
-  </p:cSld>
-  <p:clrMapOvr>
-    <a:masterClrMapping/>
-  </p:clrMapOvr>
-  <p:transition>
-    <p:fade/>
-  </p:transition>
-  <p:timing>
-    <p:tnLst>
-      <p:par>
-        <p:cTn id="1" dur="indefinite" restart="never" nodeType="tmRoot">
-          <p:childTnLst>
-            <p:seq concurrent="1" nextAc="seek">
-              <p:cTn id="2" dur="indefinite" nodeType="mainSeq">
-                <p:childTnLst>
-                  <p:par>
-                    <p:cTn id="3" fill="hold">
-                      <p:stCondLst>
-                        <p:cond delay="indefinite"/>
-                        <p:cond evt="onBegin" delay="0">
-                          <p:tn val="2"/>
-                        </p:cond>
-                      </p:stCondLst>
-                      <p:childTnLst>
-                        <p:par>
-                          <p:cTn id="4" fill="hold">
-                            <p:stCondLst>
-                              <p:cond delay="0"/>
-                            </p:stCondLst>
-                            <p:childTnLst>
-                              <p:par>
-                                <p:cTn id="5" presetID="10" presetClass="entr" presetSubtype="0" fill="hold" grpId="0" nodeType="afterEffect">
-                                  <p:stCondLst>
-                                    <p:cond delay="0"/>
-                                  </p:stCondLst>
-                                  <p:childTnLst>
-                                    <p:set>
-                                      <p:cBhvr>
-                                        <p:cTn id="6" dur="1" fill="hold">
-                                          <p:stCondLst>
-                                            <p:cond delay="0"/>
-                                          </p:stCondLst>
-                                        </p:cTn>
-                                        <p:tgtEl>
-                                          <p:spTgt spid="24579"/>
-                                        </p:tgtEl>
-                                        <p:attrNameLst>
-                                          <p:attrName>style.visibility</p:attrName>
-                                        </p:attrNameLst>
-                                      </p:cBhvr>
-                                      <p:to>
-                                        <p:strVal val="visible"/>
-                                      </p:to>
-                                    </p:set>
-                                    <p:animEffect transition="in" filter="fade">
-                                      <p:cBhvr>
-                                        <p:cTn id="7" dur="500"/>
-                                        <p:tgtEl>
-                                          <p:spTgt spid="24579"/>
-                                        </p:tgtEl>
-                                      </p:cBhvr>
-                                    </p:animEffect>
-                                  </p:childTnLst>
-                                </p:cTn>
-                              </p:par>
-                            </p:childTnLst>
-                          </p:cTn>
-                        </p:par>
-                        <p:par>
-                          <p:cTn id="8" fill="hold">
-                            <p:stCondLst>
-                              <p:cond delay="500"/>
-                            </p:stCondLst>
-                            <p:childTnLst>
-                              <p:par>
-                                <p:cTn id="9" presetID="49" presetClass="entr" presetSubtype="0" decel="100000" fill="hold" grpId="0" nodeType="afterEffect">
-                                  <p:stCondLst>
-                                    <p:cond delay="0"/>
-                                  </p:stCondLst>
-                                  <p:childTnLst>
-                                    <p:set>
-                                      <p:cBhvr>
-                                        <p:cTn id="10" dur="1" fill="hold">
-                                          <p:stCondLst>
-                                            <p:cond delay="0"/>
-                                          </p:stCondLst>
-                                        </p:cTn>
-                                        <p:tgtEl>
-                                          <p:spTgt spid="3"/>
-                                        </p:tgtEl>
-                                        <p:attrNameLst>
-                                          <p:attrName>style.visibility</p:attrName>
-                                        </p:attrNameLst>
-                                      </p:cBhvr>
-                                      <p:to>
-                                        <p:strVal val="visible"/>
-                                      </p:to>
-                                    </p:set>
-                                    <p:anim calcmode="lin" valueType="num">
-                                      <p:cBhvr>
-                                        <p:cTn id="11" dur="500" fill="hold"/>
-                                        <p:tgtEl>
-                                          <p:spTgt spid="3"/>
-                                        </p:tgtEl>
-                                        <p:attrNameLst>
-                                          <p:attrName>ppt_w</p:attrName>
-                                        </p:attrNameLst>
-                                      </p:cBhvr>
-                                      <p:tavLst>
-                                        <p:tav tm="0">
-                                          <p:val>
-                                            <p:fltVal val="0"/>
-                                          </p:val>
-                                        </p:tav>
-                                        <p:tav tm="100000">
-                                          <p:val>
-                                            <p:strVal val="#ppt_w"/>
-                                          </p:val>
-                                        </p:tav>
-                                      </p:tavLst>
-                                    </p:anim>
-                                    <p:anim calcmode="lin" valueType="num">
-                                      <p:cBhvr>
-                                        <p:cTn id="12" dur="500" fill="hold"/>
-                                        <p:tgtEl>
-                                          <p:spTgt spid="3"/>
-                                        </p:tgtEl>
-                                        <p:attrNameLst>
-                                          <p:attrName>ppt_h</p:attrName>
-                                        </p:attrNameLst>
-                                      </p:cBhvr>
-                                      <p:tavLst>
-                                        <p:tav tm="0">
-                                          <p:val>
-                                            <p:fltVal val="0"/>
-                                          </p:val>
-                                        </p:tav>
-                                        <p:tav tm="100000">
-                                          <p:val>
-                                            <p:strVal val="#ppt_h"/>
-                                          </p:val>
-                                        </p:tav>
-                                      </p:tavLst>
-                                    </p:anim>
-                                    <p:anim calcmode="lin" valueType="num">
-                                      <p:cBhvr>
-                                        <p:cTn id="13" dur="500" fill="hold"/>
-                                        <p:tgtEl>
-                                          <p:spTgt spid="3"/>
-                                        </p:tgtEl>
-                                        <p:attrNameLst>
-                                          <p:attrName>style.rotation</p:attrName>
-                                        </p:attrNameLst>
-                                      </p:cBhvr>
-                                      <p:tavLst>
-                                        <p:tav tm="0">
-                                          <p:val>
-                                            <p:fltVal val="360"/>
-                                          </p:val>
-                                        </p:tav>
-                                        <p:tav tm="100000">
-                                          <p:val>
-                                            <p:fltVal val="0"/>
-                                          </p:val>
-                                        </p:tav>
-                                      </p:tavLst>
-                                    </p:anim>
-                                    <p:animEffect transition="in" filter="fade">
-                                      <p:cBhvr>
-                                        <p:cTn id="14" dur="500"/>
-                                        <p:tgtEl>
-                                          <p:spTgt spid="3"/>
-                                        </p:tgtEl>
-                                      </p:cBhvr>
-                                    </p:animEffect>
-                                  </p:childTnLst>
-                                </p:cTn>
-                              </p:par>
-                            </p:childTnLst>
-                          </p:cTn>
-                        </p:par>
-                        <p:par>
-                          <p:cTn id="15" fill="hold">
-                            <p:stCondLst>
-                              <p:cond delay="1000"/>
-                            </p:stCondLst>
-                            <p:childTnLst>
-                              <p:par>
-                                <p:cTn id="16" presetID="49" presetClass="entr" presetSubtype="0" decel="100000" fill="hold" grpId="0" nodeType="afterEffect">
-                                  <p:stCondLst>
-                                    <p:cond delay="0"/>
-                                  </p:stCondLst>
-                                  <p:childTnLst>
-                                    <p:set>
-                                      <p:cBhvr>
-                                        <p:cTn id="17" dur="1" fill="hold">
-                                          <p:stCondLst>
-                                            <p:cond delay="0"/>
-                                          </p:stCondLst>
-                                        </p:cTn>
-                                        <p:tgtEl>
-                                          <p:spTgt spid="7"/>
-                                        </p:tgtEl>
-                                        <p:attrNameLst>
-                                          <p:attrName>style.visibility</p:attrName>
-                                        </p:attrNameLst>
-                                      </p:cBhvr>
-                                      <p:to>
-                                        <p:strVal val="visible"/>
-                                      </p:to>
-                                    </p:set>
-                                    <p:anim calcmode="lin" valueType="num">
-                                      <p:cBhvr>
-                                        <p:cTn id="18" dur="500" fill="hold"/>
-                                        <p:tgtEl>
-                                          <p:spTgt spid="7"/>
-                                        </p:tgtEl>
-                                        <p:attrNameLst>
-                                          <p:attrName>ppt_w</p:attrName>
-                                        </p:attrNameLst>
-                                      </p:cBhvr>
-                                      <p:tavLst>
-                                        <p:tav tm="0">
-                                          <p:val>
-                                            <p:fltVal val="0"/>
-                                          </p:val>
-                                        </p:tav>
-                                        <p:tav tm="100000">
-                                          <p:val>
-                                            <p:strVal val="#ppt_w"/>
-                                          </p:val>
-                                        </p:tav>
-                                      </p:tavLst>
-                                    </p:anim>
-                                    <p:anim calcmode="lin" valueType="num">
-                                      <p:cBhvr>
-                                        <p:cTn id="19" dur="500" fill="hold"/>
-                                        <p:tgtEl>
-                                          <p:spTgt spid="7"/>
-                                        </p:tgtEl>
-                                        <p:attrNameLst>
-                                          <p:attrName>ppt_h</p:attrName>
-                                        </p:attrNameLst>
-                                      </p:cBhvr>
-                                      <p:tavLst>
-                                        <p:tav tm="0">
-                                          <p:val>
-                                            <p:fltVal val="0"/>
-                                          </p:val>
-                                        </p:tav>
-                                        <p:tav tm="100000">
-                                          <p:val>
-                                            <p:strVal val="#ppt_h"/>
-                                          </p:val>
-                                        </p:tav>
-                                      </p:tavLst>
-                                    </p:anim>
-                                    <p:anim calcmode="lin" valueType="num">
-                                      <p:cBhvr>
-                                        <p:cTn id="20" dur="500" fill="hold"/>
-                                        <p:tgtEl>
-                                          <p:spTgt spid="7"/>
-                                        </p:tgtEl>
-                                        <p:attrNameLst>
-                                          <p:attrName>style.rotation</p:attrName>
-                                        </p:attrNameLst>
-                                      </p:cBhvr>
-                                      <p:tavLst>
-                                        <p:tav tm="0">
-                                          <p:val>
-                                            <p:fltVal val="360"/>
-                                          </p:val>
-                                        </p:tav>
-                                        <p:tav tm="100000">
-                                          <p:val>
-                                            <p:fltVal val="0"/>
-                                          </p:val>
-                                        </p:tav>
-                                      </p:tavLst>
-                                    </p:anim>
-                                    <p:animEffect transition="in" filter="fade">
-                                      <p:cBhvr>
-                                        <p:cTn id="21" dur="500"/>
-                                        <p:tgtEl>
-                                          <p:spTgt spid="7"/>
-                                        </p:tgtEl>
-                                      </p:cBhvr>
-                                    </p:animEffect>
-                                  </p:childTnLst>
-                                </p:cTn>
-                              </p:par>
-                            </p:childTnLst>
-                          </p:cTn>
-                        </p:par>
-                        <p:par>
-                          <p:cTn id="22" fill="hold">
-                            <p:stCondLst>
-                              <p:cond delay="1500"/>
-                            </p:stCondLst>
-                            <p:childTnLst>
-                              <p:par>
-                                <p:cTn id="23" presetID="49" presetClass="entr" presetSubtype="0" decel="100000" fill="hold" grpId="0" nodeType="afterEffect">
-                                  <p:stCondLst>
-                                    <p:cond delay="0"/>
-                                  </p:stCondLst>
-                                  <p:childTnLst>
-                                    <p:set>
-                                      <p:cBhvr>
-                                        <p:cTn id="24" dur="1" fill="hold">
-                                          <p:stCondLst>
-                                            <p:cond delay="0"/>
-                                          </p:stCondLst>
-                                        </p:cTn>
-                                        <p:tgtEl>
-                                          <p:spTgt spid="5"/>
-                                        </p:tgtEl>
-                                        <p:attrNameLst>
-                                          <p:attrName>style.visibility</p:attrName>
-                                        </p:attrNameLst>
-                                      </p:cBhvr>
-                                      <p:to>
-                                        <p:strVal val="visible"/>
-                                      </p:to>
-                                    </p:set>
-                                    <p:anim calcmode="lin" valueType="num">
-                                      <p:cBhvr>
-                                        <p:cTn id="25" dur="500" fill="hold"/>
-                                        <p:tgtEl>
-                                          <p:spTgt spid="5"/>
-                                        </p:tgtEl>
-                                        <p:attrNameLst>
-                                          <p:attrName>ppt_w</p:attrName>
-                                        </p:attrNameLst>
-                                      </p:cBhvr>
-                                      <p:tavLst>
-                                        <p:tav tm="0">
-                                          <p:val>
-                                            <p:fltVal val="0"/>
-                                          </p:val>
-                                        </p:tav>
-                                        <p:tav tm="100000">
-                                          <p:val>
-                                            <p:strVal val="#ppt_w"/>
-                                          </p:val>
-                                        </p:tav>
-                                      </p:tavLst>
-                                    </p:anim>
-                                    <p:anim calcmode="lin" valueType="num">
-                                      <p:cBhvr>
-                                        <p:cTn id="26" dur="500" fill="hold"/>
-                                        <p:tgtEl>
-                                          <p:spTgt spid="5"/>
-                                        </p:tgtEl>
-                                        <p:attrNameLst>
-                                          <p:attrName>ppt_h</p:attrName>
-                                        </p:attrNameLst>
-                                      </p:cBhvr>
-                                      <p:tavLst>
-                                        <p:tav tm="0">
-                                          <p:val>
-                                            <p:fltVal val="0"/>
-                                          </p:val>
-                                        </p:tav>
-                                        <p:tav tm="100000">
-                                          <p:val>
-                                            <p:strVal val="#ppt_h"/>
-                                          </p:val>
-                                        </p:tav>
-                                      </p:tavLst>
-                                    </p:anim>
-                                    <p:anim calcmode="lin" valueType="num">
-                                      <p:cBhvr>
-                                        <p:cTn id="27" dur="500" fill="hold"/>
-                                        <p:tgtEl>
-                                          <p:spTgt spid="5"/>
-                                        </p:tgtEl>
-                                        <p:attrNameLst>
-                                          <p:attrName>style.rotation</p:attrName>
-                                        </p:attrNameLst>
-                                      </p:cBhvr>
-                                      <p:tavLst>
-                                        <p:tav tm="0">
-                                          <p:val>
-                                            <p:fltVal val="360"/>
-                                          </p:val>
-                                        </p:tav>
-                                        <p:tav tm="100000">
-                                          <p:val>
-                                            <p:fltVal val="0"/>
-                                          </p:val>
-                                        </p:tav>
-                                      </p:tavLst>
-                                    </p:anim>
-                                    <p:animEffect transition="in" filter="fade">
-                                      <p:cBhvr>
-                                        <p:cTn id="28" dur="500"/>
-                                        <p:tgtEl>
-                                          <p:spTgt spid="5"/>
-                                        </p:tgtEl>
-                                      </p:cBhvr>
-                                    </p:animEffect>
-                                  </p:childTnLst>
-                                </p:cTn>
-                              </p:par>
-                            </p:childTnLst>
-                          </p:cTn>
-                        </p:par>
-                        <p:par>
-                          <p:cTn id="29" fill="hold">
-                            <p:stCondLst>
-                              <p:cond delay="2000"/>
-                            </p:stCondLst>
-                            <p:childTnLst>
-                              <p:par>
-                                <p:cTn id="30" presetID="49" presetClass="entr" presetSubtype="0" decel="100000" fill="hold" grpId="0" nodeType="afterEffect">
-                                  <p:stCondLst>
-                                    <p:cond delay="0"/>
-                                  </p:stCondLst>
-                                  <p:childTnLst>
-                                    <p:set>
-                                      <p:cBhvr>
-                                        <p:cTn id="31" dur="1" fill="hold">
-                                          <p:stCondLst>
-                                            <p:cond delay="0"/>
-                                          </p:stCondLst>
-                                        </p:cTn>
-                                        <p:tgtEl>
-                                          <p:spTgt spid="4"/>
-                                        </p:tgtEl>
-                                        <p:attrNameLst>
-                                          <p:attrName>style.visibility</p:attrName>
-                                        </p:attrNameLst>
-                                      </p:cBhvr>
-                                      <p:to>
-                                        <p:strVal val="visible"/>
-                                      </p:to>
-                                    </p:set>
-                                    <p:anim calcmode="lin" valueType="num">
-                                      <p:cBhvr>
-                                        <p:cTn id="32" dur="500" fill="hold"/>
-                                        <p:tgtEl>
-                                          <p:spTgt spid="4"/>
-                                        </p:tgtEl>
-                                        <p:attrNameLst>
-                                          <p:attrName>ppt_w</p:attrName>
-                                        </p:attrNameLst>
-                                      </p:cBhvr>
-                                      <p:tavLst>
-                                        <p:tav tm="0">
-                                          <p:val>
-                                            <p:fltVal val="0"/>
-                                          </p:val>
-                                        </p:tav>
-                                        <p:tav tm="100000">
-                                          <p:val>
-                                            <p:strVal val="#ppt_w"/>
-                                          </p:val>
-                                        </p:tav>
-                                      </p:tavLst>
-                                    </p:anim>
-                                    <p:anim calcmode="lin" valueType="num">
-                                      <p:cBhvr>
-                                        <p:cTn id="33" dur="500" fill="hold"/>
-                                        <p:tgtEl>
-                                          <p:spTgt spid="4"/>
-                                        </p:tgtEl>
-                                        <p:attrNameLst>
-                                          <p:attrName>ppt_h</p:attrName>
-                                        </p:attrNameLst>
-                                      </p:cBhvr>
-                                      <p:tavLst>
-                                        <p:tav tm="0">
-                                          <p:val>
-                                            <p:fltVal val="0"/>
-                                          </p:val>
-                                        </p:tav>
-                                        <p:tav tm="100000">
-                                          <p:val>
-                                            <p:strVal val="#ppt_h"/>
-                                          </p:val>
-                                        </p:tav>
-                                      </p:tavLst>
-                                    </p:anim>
-                                    <p:anim calcmode="lin" valueType="num">
-                                      <p:cBhvr>
-                                        <p:cTn id="34" dur="500" fill="hold"/>
-                                        <p:tgtEl>
-                                          <p:spTgt spid="4"/>
-                                        </p:tgtEl>
-                                        <p:attrNameLst>
-                                          <p:attrName>style.rotation</p:attrName>
-                                        </p:attrNameLst>
-                                      </p:cBhvr>
-                                      <p:tavLst>
-                                        <p:tav tm="0">
-                                          <p:val>
-                                            <p:fltVal val="360"/>
-                                          </p:val>
-                                        </p:tav>
-                                        <p:tav tm="100000">
-                                          <p:val>
-                                            <p:fltVal val="0"/>
-                                          </p:val>
-                                        </p:tav>
-                                      </p:tavLst>
-                                    </p:anim>
-                                    <p:animEffect transition="in" filter="fade">
-                                      <p:cBhvr>
-                                        <p:cTn id="35" dur="500"/>
-                                        <p:tgtEl>
-                                          <p:spTgt spid="4"/>
-                                        </p:tgtEl>
-                                      </p:cBhvr>
-                                    </p:animEffect>
-                                  </p:childTnLst>
-                                </p:cTn>
-                              </p:par>
-                            </p:childTnLst>
-                          </p:cTn>
-                        </p:par>
-                        <p:par>
-                          <p:cTn id="36" fill="hold">
-                            <p:stCondLst>
-                              <p:cond delay="2500"/>
-                            </p:stCondLst>
-                            <p:childTnLst>
-                              <p:par>
-                                <p:cTn id="37" presetID="2" presetClass="entr" presetSubtype="8" fill="hold" grpId="0" nodeType="afterEffect">
-                                  <p:stCondLst>
-                                    <p:cond delay="0"/>
-                                  </p:stCondLst>
-                                  <p:childTnLst>
-                                    <p:set>
-                                      <p:cBhvr>
-                                        <p:cTn id="38" dur="1" fill="hold">
-                                          <p:stCondLst>
-                                            <p:cond delay="0"/>
-                                          </p:stCondLst>
-                                        </p:cTn>
-                                        <p:tgtEl>
-                                          <p:spTgt spid="2"/>
-                                        </p:tgtEl>
-                                        <p:attrNameLst>
-                                          <p:attrName>style.visibility</p:attrName>
-                                        </p:attrNameLst>
-                                      </p:cBhvr>
-                                      <p:to>
-                                        <p:strVal val="visible"/>
-                                      </p:to>
-                                    </p:set>
-                                    <p:anim calcmode="lin" valueType="num">
-                                      <p:cBhvr>
-                                        <p:cTn id="39" dur="500" fill="hold"/>
-                                        <p:tgtEl>
-                                          <p:spTgt spid="2"/>
-                                        </p:tgtEl>
-                                        <p:attrNameLst>
-                                          <p:attrName>ppt_x</p:attrName>
-                                        </p:attrNameLst>
-                                      </p:cBhvr>
-                                      <p:tavLst>
-                                        <p:tav tm="0">
-                                          <p:val>
-                                            <p:strVal val="0-#ppt_w/2"/>
-                                          </p:val>
-                                        </p:tav>
-                                        <p:tav tm="100000">
-                                          <p:val>
-                                            <p:strVal val="#ppt_x"/>
-                                          </p:val>
-                                        </p:tav>
-                                      </p:tavLst>
-                                    </p:anim>
-                                    <p:anim calcmode="lin" valueType="num">
-                                      <p:cBhvr>
-                                        <p:cTn id="40" dur="500" fill="hold"/>
-                                        <p:tgtEl>
-                                          <p:spTgt spid="2"/>
-                                        </p:tgtEl>
-                                        <p:attrNameLst>
-                                          <p:attrName>ppt_y</p:attrName>
-                                        </p:attrNameLst>
-                                      </p:cBhvr>
-                                      <p:tavLst>
-                                        <p:tav tm="0">
-                                          <p:val>
-                                            <p:strVal val="#ppt_y"/>
-                                          </p:val>
-                                        </p:tav>
-                                        <p:tav tm="100000">
-                                          <p:val>
-                                            <p:strVal val="#ppt_y"/>
-                                          </p:val>
-                                        </p:tav>
-                                      </p:tavLst>
-                                    </p:anim>
-                                  </p:childTnLst>
-                                </p:cTn>
-                              </p:par>
-                            </p:childTnLst>
-                          </p:cTn>
-                        </p:par>
-                      </p:childTnLst>
-                    </p:cTn>
-                  </p:par>
-                </p:childTnLst>
-              </p:cTn>
-              <p:prevCondLst>
-                <p:cond evt="onPrev" delay="0">
-                  <p:tgtEl>
-                    <p:sldTgt/>
-                  </p:tgtEl>
-                </p:cond>
-              </p:prevCondLst>
-              <p:nextCondLst>
-                <p:cond evt="onNext" delay="0">
-                  <p:tgtEl>
-                    <p:sldTgt/>
-                  </p:tgtEl>
-                </p:cond>
-              </p:nextCondLst>
-            </p:seq>
-          </p:childTnLst>
-        </p:cTn>
-      </p:par>
-    </p:tnLst>
-    <p:bldLst>
-      <p:bldP spid="24579" grpId="0"/>
-      <p:bldP spid="2" grpId="0" bldLvl="0" animBg="1"/>
       <p:bldP spid="3" grpId="0" bldLvl="0" animBg="1"/>
       <p:bldP spid="4" grpId="0" bldLvl="0" animBg="1"/>
       <p:bldP spid="5" grpId="0" bldLvl="0" animBg="1"/>
@@ -17547,7 +17769,7 @@
           <a:p>
             <a:pPr algn="ctr"/>
             <a:r>
-              <a:rPr lang="ru-RU" altLang="en-US" sz="2800" b="1">
+              <a:rPr lang="ru-RU" altLang="en-US" sz="2800" b="1" dirty="0">
                 <a:solidFill>
                   <a:schemeClr val="bg1"/>
                 </a:solidFill>
@@ -17557,7 +17779,7 @@
               </a:rPr>
               <a:t>Актуальность работы</a:t>
             </a:r>
-            <a:endParaRPr lang="ru-RU" altLang="en-US" sz="2800" b="1">
+            <a:endParaRPr lang="ru-RU" altLang="en-US" sz="2800" b="1" dirty="0">
               <a:solidFill>
                 <a:srgbClr val="FF9900"/>
               </a:solidFill>
@@ -18407,6 +18629,950 @@
 </file>
 
 <file path=ppt/slides/slide20.xml><?xml version="1.0" encoding="utf-8"?>
+<p:sld xmlns:a="http://schemas.openxmlformats.org/drawingml/2006/main" xmlns:r="http://schemas.openxmlformats.org/officeDocument/2006/relationships" xmlns:p="http://schemas.openxmlformats.org/presentationml/2006/main">
+  <p:cSld>
+    <p:bg>
+      <p:bgPr>
+        <a:solidFill>
+          <a:srgbClr val="002748"/>
+        </a:solidFill>
+        <a:effectLst/>
+      </p:bgPr>
+    </p:bg>
+    <p:spTree>
+      <p:nvGrpSpPr>
+        <p:cNvPr id="1" name=""/>
+        <p:cNvGrpSpPr/>
+        <p:nvPr/>
+      </p:nvGrpSpPr>
+      <p:grpSpPr>
+        <a:xfrm>
+          <a:off x="0" y="0"/>
+          <a:ext cx="0" cy="0"/>
+          <a:chOff x="0" y="0"/>
+          <a:chExt cx="0" cy="0"/>
+        </a:xfrm>
+      </p:grpSpPr>
+      <p:sp>
+        <p:nvSpPr>
+          <p:cNvPr id="24579" name="文本框 2"/>
+          <p:cNvSpPr txBox="1"/>
+          <p:nvPr/>
+        </p:nvSpPr>
+        <p:spPr>
+          <a:xfrm>
+            <a:off x="1562100" y="2312988"/>
+            <a:ext cx="6011863" cy="583565"/>
+          </a:xfrm>
+          <a:prstGeom prst="rect">
+            <a:avLst/>
+          </a:prstGeom>
+          <a:noFill/>
+          <a:ln w="9525">
+            <a:noFill/>
+          </a:ln>
+        </p:spPr>
+        <p:txBody>
+          <a:bodyPr wrap="square" anchor="t">
+            <a:spAutoFit/>
+          </a:bodyPr>
+          <a:lstStyle/>
+          <a:p>
+            <a:pPr algn="dist"/>
+            <a:r>
+              <a:rPr lang="ru-RU" altLang="en-US" sz="3200" b="1">
+                <a:solidFill>
+                  <a:schemeClr val="bg1"/>
+                </a:solidFill>
+                <a:latin typeface="Times New Roman" panose="02020603050405020304" pitchFamily="2" charset="0"/>
+                <a:ea typeface="Arial Unicode MS" panose="020B0604020202020204" charset="-122"/>
+                <a:cs typeface="Times New Roman" panose="02020603050405020304" pitchFamily="2" charset="0"/>
+              </a:rPr>
+              <a:t>Спасибо за внимание!</a:t>
+            </a:r>
+          </a:p>
+        </p:txBody>
+      </p:sp>
+      <p:sp>
+        <p:nvSpPr>
+          <p:cNvPr id="2" name="矩形 1"/>
+          <p:cNvSpPr/>
+          <p:nvPr/>
+        </p:nvSpPr>
+        <p:spPr>
+          <a:xfrm>
+            <a:off x="-9525" y="3232150"/>
+            <a:ext cx="9153525" cy="76200"/>
+          </a:xfrm>
+          <a:prstGeom prst="rect">
+            <a:avLst/>
+          </a:prstGeom>
+          <a:solidFill>
+            <a:srgbClr val="FF9900"/>
+          </a:solidFill>
+          <a:ln>
+            <a:noFill/>
+          </a:ln>
+        </p:spPr>
+        <p:style>
+          <a:lnRef idx="2">
+            <a:schemeClr val="accent1">
+              <a:shade val="50000"/>
+            </a:schemeClr>
+          </a:lnRef>
+          <a:fillRef idx="1">
+            <a:schemeClr val="accent1"/>
+          </a:fillRef>
+          <a:effectRef idx="0">
+            <a:schemeClr val="accent1"/>
+          </a:effectRef>
+          <a:fontRef idx="minor">
+            <a:schemeClr val="lt1"/>
+          </a:fontRef>
+        </p:style>
+        <p:txBody>
+          <a:bodyPr rtlCol="0" anchor="ctr"/>
+          <a:lstStyle/>
+          <a:p>
+            <a:pPr algn="ctr" fontAlgn="base"/>
+            <a:endParaRPr lang="zh-CN" altLang="en-US" strike="noStrike" noProof="1">
+              <a:ea typeface="Arial Unicode MS" panose="020B0604020202020204" charset="-122"/>
+            </a:endParaRPr>
+          </a:p>
+        </p:txBody>
+      </p:sp>
+      <p:sp>
+        <p:nvSpPr>
+          <p:cNvPr id="3" name="等腰三角形 2"/>
+          <p:cNvSpPr/>
+          <p:nvPr/>
+        </p:nvSpPr>
+        <p:spPr>
+          <a:xfrm rot="8100000">
+            <a:off x="1273493" y="1687513"/>
+            <a:ext cx="336550" cy="290513"/>
+          </a:xfrm>
+          <a:prstGeom prst="triangle">
+            <a:avLst/>
+          </a:prstGeom>
+          <a:solidFill>
+            <a:srgbClr val="FF9900"/>
+          </a:solidFill>
+          <a:ln>
+            <a:noFill/>
+          </a:ln>
+        </p:spPr>
+        <p:style>
+          <a:lnRef idx="2">
+            <a:schemeClr val="accent1">
+              <a:shade val="50000"/>
+            </a:schemeClr>
+          </a:lnRef>
+          <a:fillRef idx="1">
+            <a:schemeClr val="accent1"/>
+          </a:fillRef>
+          <a:effectRef idx="0">
+            <a:schemeClr val="accent1"/>
+          </a:effectRef>
+          <a:fontRef idx="minor">
+            <a:schemeClr val="lt1"/>
+          </a:fontRef>
+        </p:style>
+        <p:txBody>
+          <a:bodyPr rtlCol="0" anchor="ctr"/>
+          <a:lstStyle/>
+          <a:p>
+            <a:pPr algn="ctr" fontAlgn="base"/>
+            <a:endParaRPr lang="zh-CN" altLang="en-US" strike="noStrike" noProof="1">
+              <a:ea typeface="Arial Unicode MS" panose="020B0604020202020204" charset="-122"/>
+            </a:endParaRPr>
+          </a:p>
+        </p:txBody>
+      </p:sp>
+      <p:sp>
+        <p:nvSpPr>
+          <p:cNvPr id="4" name="等腰三角形 3"/>
+          <p:cNvSpPr/>
+          <p:nvPr/>
+        </p:nvSpPr>
+        <p:spPr>
+          <a:xfrm rot="1740000">
+            <a:off x="3163570" y="1178243"/>
+            <a:ext cx="261938" cy="225425"/>
+          </a:xfrm>
+          <a:prstGeom prst="triangle">
+            <a:avLst/>
+          </a:prstGeom>
+          <a:solidFill>
+            <a:schemeClr val="bg1"/>
+          </a:solidFill>
+          <a:ln>
+            <a:noFill/>
+          </a:ln>
+        </p:spPr>
+        <p:style>
+          <a:lnRef idx="2">
+            <a:schemeClr val="accent1">
+              <a:shade val="50000"/>
+            </a:schemeClr>
+          </a:lnRef>
+          <a:fillRef idx="1">
+            <a:schemeClr val="accent1"/>
+          </a:fillRef>
+          <a:effectRef idx="0">
+            <a:schemeClr val="accent1"/>
+          </a:effectRef>
+          <a:fontRef idx="minor">
+            <a:schemeClr val="lt1"/>
+          </a:fontRef>
+        </p:style>
+        <p:txBody>
+          <a:bodyPr rtlCol="0" anchor="ctr"/>
+          <a:lstStyle/>
+          <a:p>
+            <a:pPr algn="ctr" fontAlgn="base"/>
+            <a:endParaRPr lang="zh-CN" altLang="en-US" strike="noStrike" noProof="1">
+              <a:ea typeface="Arial Unicode MS" panose="020B0604020202020204" charset="-122"/>
+            </a:endParaRPr>
+          </a:p>
+        </p:txBody>
+      </p:sp>
+      <p:sp>
+        <p:nvSpPr>
+          <p:cNvPr id="5" name="等腰三角形 4"/>
+          <p:cNvSpPr/>
+          <p:nvPr/>
+        </p:nvSpPr>
+        <p:spPr>
+          <a:xfrm rot="11580000">
+            <a:off x="7515225" y="1787208"/>
+            <a:ext cx="336550" cy="290513"/>
+          </a:xfrm>
+          <a:prstGeom prst="triangle">
+            <a:avLst/>
+          </a:prstGeom>
+          <a:solidFill>
+            <a:srgbClr val="FF9900"/>
+          </a:solidFill>
+          <a:ln>
+            <a:noFill/>
+          </a:ln>
+        </p:spPr>
+        <p:style>
+          <a:lnRef idx="2">
+            <a:schemeClr val="accent1">
+              <a:shade val="50000"/>
+            </a:schemeClr>
+          </a:lnRef>
+          <a:fillRef idx="1">
+            <a:schemeClr val="accent1"/>
+          </a:fillRef>
+          <a:effectRef idx="0">
+            <a:schemeClr val="accent1"/>
+          </a:effectRef>
+          <a:fontRef idx="minor">
+            <a:schemeClr val="lt1"/>
+          </a:fontRef>
+        </p:style>
+        <p:txBody>
+          <a:bodyPr rtlCol="0" anchor="ctr"/>
+          <a:lstStyle/>
+          <a:p>
+            <a:pPr algn="ctr" fontAlgn="base"/>
+            <a:endParaRPr lang="zh-CN" altLang="en-US" strike="noStrike" noProof="1">
+              <a:ea typeface="Arial Unicode MS" panose="020B0604020202020204" charset="-122"/>
+            </a:endParaRPr>
+          </a:p>
+        </p:txBody>
+      </p:sp>
+      <p:sp>
+        <p:nvSpPr>
+          <p:cNvPr id="7" name="等腰三角形 6"/>
+          <p:cNvSpPr/>
+          <p:nvPr/>
+        </p:nvSpPr>
+        <p:spPr>
+          <a:xfrm rot="6360000">
+            <a:off x="5403533" y="1556385"/>
+            <a:ext cx="260350" cy="225425"/>
+          </a:xfrm>
+          <a:prstGeom prst="triangle">
+            <a:avLst/>
+          </a:prstGeom>
+          <a:solidFill>
+            <a:schemeClr val="bg1"/>
+          </a:solidFill>
+          <a:ln>
+            <a:noFill/>
+          </a:ln>
+        </p:spPr>
+        <p:style>
+          <a:lnRef idx="2">
+            <a:schemeClr val="accent1">
+              <a:shade val="50000"/>
+            </a:schemeClr>
+          </a:lnRef>
+          <a:fillRef idx="1">
+            <a:schemeClr val="accent1"/>
+          </a:fillRef>
+          <a:effectRef idx="0">
+            <a:schemeClr val="accent1"/>
+          </a:effectRef>
+          <a:fontRef idx="minor">
+            <a:schemeClr val="lt1"/>
+          </a:fontRef>
+        </p:style>
+        <p:txBody>
+          <a:bodyPr rtlCol="0" anchor="ctr"/>
+          <a:lstStyle/>
+          <a:p>
+            <a:pPr algn="ctr" fontAlgn="base"/>
+            <a:endParaRPr lang="zh-CN" altLang="en-US" strike="noStrike" noProof="1">
+              <a:ea typeface="Arial Unicode MS" panose="020B0604020202020204" charset="-122"/>
+            </a:endParaRPr>
+          </a:p>
+        </p:txBody>
+      </p:sp>
+    </p:spTree>
+  </p:cSld>
+  <p:clrMapOvr>
+    <a:masterClrMapping/>
+  </p:clrMapOvr>
+  <p:transition>
+    <p:fade/>
+  </p:transition>
+  <p:timing>
+    <p:tnLst>
+      <p:par>
+        <p:cTn id="1" dur="indefinite" restart="never" nodeType="tmRoot">
+          <p:childTnLst>
+            <p:seq concurrent="1" nextAc="seek">
+              <p:cTn id="2" dur="indefinite" nodeType="mainSeq">
+                <p:childTnLst>
+                  <p:par>
+                    <p:cTn id="3" fill="hold">
+                      <p:stCondLst>
+                        <p:cond delay="indefinite"/>
+                        <p:cond evt="onBegin" delay="0">
+                          <p:tn val="2"/>
+                        </p:cond>
+                      </p:stCondLst>
+                      <p:childTnLst>
+                        <p:par>
+                          <p:cTn id="4" fill="hold">
+                            <p:stCondLst>
+                              <p:cond delay="0"/>
+                            </p:stCondLst>
+                            <p:childTnLst>
+                              <p:par>
+                                <p:cTn id="5" presetID="10" presetClass="entr" presetSubtype="0" fill="hold" grpId="0" nodeType="afterEffect">
+                                  <p:stCondLst>
+                                    <p:cond delay="0"/>
+                                  </p:stCondLst>
+                                  <p:childTnLst>
+                                    <p:set>
+                                      <p:cBhvr>
+                                        <p:cTn id="6" dur="1" fill="hold">
+                                          <p:stCondLst>
+                                            <p:cond delay="0"/>
+                                          </p:stCondLst>
+                                        </p:cTn>
+                                        <p:tgtEl>
+                                          <p:spTgt spid="24579"/>
+                                        </p:tgtEl>
+                                        <p:attrNameLst>
+                                          <p:attrName>style.visibility</p:attrName>
+                                        </p:attrNameLst>
+                                      </p:cBhvr>
+                                      <p:to>
+                                        <p:strVal val="visible"/>
+                                      </p:to>
+                                    </p:set>
+                                    <p:animEffect transition="in" filter="fade">
+                                      <p:cBhvr>
+                                        <p:cTn id="7" dur="500"/>
+                                        <p:tgtEl>
+                                          <p:spTgt spid="24579"/>
+                                        </p:tgtEl>
+                                      </p:cBhvr>
+                                    </p:animEffect>
+                                  </p:childTnLst>
+                                </p:cTn>
+                              </p:par>
+                            </p:childTnLst>
+                          </p:cTn>
+                        </p:par>
+                        <p:par>
+                          <p:cTn id="8" fill="hold">
+                            <p:stCondLst>
+                              <p:cond delay="500"/>
+                            </p:stCondLst>
+                            <p:childTnLst>
+                              <p:par>
+                                <p:cTn id="9" presetID="49" presetClass="entr" presetSubtype="0" decel="100000" fill="hold" grpId="0" nodeType="afterEffect">
+                                  <p:stCondLst>
+                                    <p:cond delay="0"/>
+                                  </p:stCondLst>
+                                  <p:childTnLst>
+                                    <p:set>
+                                      <p:cBhvr>
+                                        <p:cTn id="10" dur="1" fill="hold">
+                                          <p:stCondLst>
+                                            <p:cond delay="0"/>
+                                          </p:stCondLst>
+                                        </p:cTn>
+                                        <p:tgtEl>
+                                          <p:spTgt spid="3"/>
+                                        </p:tgtEl>
+                                        <p:attrNameLst>
+                                          <p:attrName>style.visibility</p:attrName>
+                                        </p:attrNameLst>
+                                      </p:cBhvr>
+                                      <p:to>
+                                        <p:strVal val="visible"/>
+                                      </p:to>
+                                    </p:set>
+                                    <p:anim calcmode="lin" valueType="num">
+                                      <p:cBhvr>
+                                        <p:cTn id="11" dur="500" fill="hold"/>
+                                        <p:tgtEl>
+                                          <p:spTgt spid="3"/>
+                                        </p:tgtEl>
+                                        <p:attrNameLst>
+                                          <p:attrName>ppt_w</p:attrName>
+                                        </p:attrNameLst>
+                                      </p:cBhvr>
+                                      <p:tavLst>
+                                        <p:tav tm="0">
+                                          <p:val>
+                                            <p:fltVal val="0"/>
+                                          </p:val>
+                                        </p:tav>
+                                        <p:tav tm="100000">
+                                          <p:val>
+                                            <p:strVal val="#ppt_w"/>
+                                          </p:val>
+                                        </p:tav>
+                                      </p:tavLst>
+                                    </p:anim>
+                                    <p:anim calcmode="lin" valueType="num">
+                                      <p:cBhvr>
+                                        <p:cTn id="12" dur="500" fill="hold"/>
+                                        <p:tgtEl>
+                                          <p:spTgt spid="3"/>
+                                        </p:tgtEl>
+                                        <p:attrNameLst>
+                                          <p:attrName>ppt_h</p:attrName>
+                                        </p:attrNameLst>
+                                      </p:cBhvr>
+                                      <p:tavLst>
+                                        <p:tav tm="0">
+                                          <p:val>
+                                            <p:fltVal val="0"/>
+                                          </p:val>
+                                        </p:tav>
+                                        <p:tav tm="100000">
+                                          <p:val>
+                                            <p:strVal val="#ppt_h"/>
+                                          </p:val>
+                                        </p:tav>
+                                      </p:tavLst>
+                                    </p:anim>
+                                    <p:anim calcmode="lin" valueType="num">
+                                      <p:cBhvr>
+                                        <p:cTn id="13" dur="500" fill="hold"/>
+                                        <p:tgtEl>
+                                          <p:spTgt spid="3"/>
+                                        </p:tgtEl>
+                                        <p:attrNameLst>
+                                          <p:attrName>style.rotation</p:attrName>
+                                        </p:attrNameLst>
+                                      </p:cBhvr>
+                                      <p:tavLst>
+                                        <p:tav tm="0">
+                                          <p:val>
+                                            <p:fltVal val="360"/>
+                                          </p:val>
+                                        </p:tav>
+                                        <p:tav tm="100000">
+                                          <p:val>
+                                            <p:fltVal val="0"/>
+                                          </p:val>
+                                        </p:tav>
+                                      </p:tavLst>
+                                    </p:anim>
+                                    <p:animEffect transition="in" filter="fade">
+                                      <p:cBhvr>
+                                        <p:cTn id="14" dur="500"/>
+                                        <p:tgtEl>
+                                          <p:spTgt spid="3"/>
+                                        </p:tgtEl>
+                                      </p:cBhvr>
+                                    </p:animEffect>
+                                  </p:childTnLst>
+                                </p:cTn>
+                              </p:par>
+                            </p:childTnLst>
+                          </p:cTn>
+                        </p:par>
+                        <p:par>
+                          <p:cTn id="15" fill="hold">
+                            <p:stCondLst>
+                              <p:cond delay="1000"/>
+                            </p:stCondLst>
+                            <p:childTnLst>
+                              <p:par>
+                                <p:cTn id="16" presetID="49" presetClass="entr" presetSubtype="0" decel="100000" fill="hold" grpId="0" nodeType="afterEffect">
+                                  <p:stCondLst>
+                                    <p:cond delay="0"/>
+                                  </p:stCondLst>
+                                  <p:childTnLst>
+                                    <p:set>
+                                      <p:cBhvr>
+                                        <p:cTn id="17" dur="1" fill="hold">
+                                          <p:stCondLst>
+                                            <p:cond delay="0"/>
+                                          </p:stCondLst>
+                                        </p:cTn>
+                                        <p:tgtEl>
+                                          <p:spTgt spid="7"/>
+                                        </p:tgtEl>
+                                        <p:attrNameLst>
+                                          <p:attrName>style.visibility</p:attrName>
+                                        </p:attrNameLst>
+                                      </p:cBhvr>
+                                      <p:to>
+                                        <p:strVal val="visible"/>
+                                      </p:to>
+                                    </p:set>
+                                    <p:anim calcmode="lin" valueType="num">
+                                      <p:cBhvr>
+                                        <p:cTn id="18" dur="500" fill="hold"/>
+                                        <p:tgtEl>
+                                          <p:spTgt spid="7"/>
+                                        </p:tgtEl>
+                                        <p:attrNameLst>
+                                          <p:attrName>ppt_w</p:attrName>
+                                        </p:attrNameLst>
+                                      </p:cBhvr>
+                                      <p:tavLst>
+                                        <p:tav tm="0">
+                                          <p:val>
+                                            <p:fltVal val="0"/>
+                                          </p:val>
+                                        </p:tav>
+                                        <p:tav tm="100000">
+                                          <p:val>
+                                            <p:strVal val="#ppt_w"/>
+                                          </p:val>
+                                        </p:tav>
+                                      </p:tavLst>
+                                    </p:anim>
+                                    <p:anim calcmode="lin" valueType="num">
+                                      <p:cBhvr>
+                                        <p:cTn id="19" dur="500" fill="hold"/>
+                                        <p:tgtEl>
+                                          <p:spTgt spid="7"/>
+                                        </p:tgtEl>
+                                        <p:attrNameLst>
+                                          <p:attrName>ppt_h</p:attrName>
+                                        </p:attrNameLst>
+                                      </p:cBhvr>
+                                      <p:tavLst>
+                                        <p:tav tm="0">
+                                          <p:val>
+                                            <p:fltVal val="0"/>
+                                          </p:val>
+                                        </p:tav>
+                                        <p:tav tm="100000">
+                                          <p:val>
+                                            <p:strVal val="#ppt_h"/>
+                                          </p:val>
+                                        </p:tav>
+                                      </p:tavLst>
+                                    </p:anim>
+                                    <p:anim calcmode="lin" valueType="num">
+                                      <p:cBhvr>
+                                        <p:cTn id="20" dur="500" fill="hold"/>
+                                        <p:tgtEl>
+                                          <p:spTgt spid="7"/>
+                                        </p:tgtEl>
+                                        <p:attrNameLst>
+                                          <p:attrName>style.rotation</p:attrName>
+                                        </p:attrNameLst>
+                                      </p:cBhvr>
+                                      <p:tavLst>
+                                        <p:tav tm="0">
+                                          <p:val>
+                                            <p:fltVal val="360"/>
+                                          </p:val>
+                                        </p:tav>
+                                        <p:tav tm="100000">
+                                          <p:val>
+                                            <p:fltVal val="0"/>
+                                          </p:val>
+                                        </p:tav>
+                                      </p:tavLst>
+                                    </p:anim>
+                                    <p:animEffect transition="in" filter="fade">
+                                      <p:cBhvr>
+                                        <p:cTn id="21" dur="500"/>
+                                        <p:tgtEl>
+                                          <p:spTgt spid="7"/>
+                                        </p:tgtEl>
+                                      </p:cBhvr>
+                                    </p:animEffect>
+                                  </p:childTnLst>
+                                </p:cTn>
+                              </p:par>
+                            </p:childTnLst>
+                          </p:cTn>
+                        </p:par>
+                        <p:par>
+                          <p:cTn id="22" fill="hold">
+                            <p:stCondLst>
+                              <p:cond delay="1500"/>
+                            </p:stCondLst>
+                            <p:childTnLst>
+                              <p:par>
+                                <p:cTn id="23" presetID="49" presetClass="entr" presetSubtype="0" decel="100000" fill="hold" grpId="0" nodeType="afterEffect">
+                                  <p:stCondLst>
+                                    <p:cond delay="0"/>
+                                  </p:stCondLst>
+                                  <p:childTnLst>
+                                    <p:set>
+                                      <p:cBhvr>
+                                        <p:cTn id="24" dur="1" fill="hold">
+                                          <p:stCondLst>
+                                            <p:cond delay="0"/>
+                                          </p:stCondLst>
+                                        </p:cTn>
+                                        <p:tgtEl>
+                                          <p:spTgt spid="5"/>
+                                        </p:tgtEl>
+                                        <p:attrNameLst>
+                                          <p:attrName>style.visibility</p:attrName>
+                                        </p:attrNameLst>
+                                      </p:cBhvr>
+                                      <p:to>
+                                        <p:strVal val="visible"/>
+                                      </p:to>
+                                    </p:set>
+                                    <p:anim calcmode="lin" valueType="num">
+                                      <p:cBhvr>
+                                        <p:cTn id="25" dur="500" fill="hold"/>
+                                        <p:tgtEl>
+                                          <p:spTgt spid="5"/>
+                                        </p:tgtEl>
+                                        <p:attrNameLst>
+                                          <p:attrName>ppt_w</p:attrName>
+                                        </p:attrNameLst>
+                                      </p:cBhvr>
+                                      <p:tavLst>
+                                        <p:tav tm="0">
+                                          <p:val>
+                                            <p:fltVal val="0"/>
+                                          </p:val>
+                                        </p:tav>
+                                        <p:tav tm="100000">
+                                          <p:val>
+                                            <p:strVal val="#ppt_w"/>
+                                          </p:val>
+                                        </p:tav>
+                                      </p:tavLst>
+                                    </p:anim>
+                                    <p:anim calcmode="lin" valueType="num">
+                                      <p:cBhvr>
+                                        <p:cTn id="26" dur="500" fill="hold"/>
+                                        <p:tgtEl>
+                                          <p:spTgt spid="5"/>
+                                        </p:tgtEl>
+                                        <p:attrNameLst>
+                                          <p:attrName>ppt_h</p:attrName>
+                                        </p:attrNameLst>
+                                      </p:cBhvr>
+                                      <p:tavLst>
+                                        <p:tav tm="0">
+                                          <p:val>
+                                            <p:fltVal val="0"/>
+                                          </p:val>
+                                        </p:tav>
+                                        <p:tav tm="100000">
+                                          <p:val>
+                                            <p:strVal val="#ppt_h"/>
+                                          </p:val>
+                                        </p:tav>
+                                      </p:tavLst>
+                                    </p:anim>
+                                    <p:anim calcmode="lin" valueType="num">
+                                      <p:cBhvr>
+                                        <p:cTn id="27" dur="500" fill="hold"/>
+                                        <p:tgtEl>
+                                          <p:spTgt spid="5"/>
+                                        </p:tgtEl>
+                                        <p:attrNameLst>
+                                          <p:attrName>style.rotation</p:attrName>
+                                        </p:attrNameLst>
+                                      </p:cBhvr>
+                                      <p:tavLst>
+                                        <p:tav tm="0">
+                                          <p:val>
+                                            <p:fltVal val="360"/>
+                                          </p:val>
+                                        </p:tav>
+                                        <p:tav tm="100000">
+                                          <p:val>
+                                            <p:fltVal val="0"/>
+                                          </p:val>
+                                        </p:tav>
+                                      </p:tavLst>
+                                    </p:anim>
+                                    <p:animEffect transition="in" filter="fade">
+                                      <p:cBhvr>
+                                        <p:cTn id="28" dur="500"/>
+                                        <p:tgtEl>
+                                          <p:spTgt spid="5"/>
+                                        </p:tgtEl>
+                                      </p:cBhvr>
+                                    </p:animEffect>
+                                  </p:childTnLst>
+                                </p:cTn>
+                              </p:par>
+                            </p:childTnLst>
+                          </p:cTn>
+                        </p:par>
+                        <p:par>
+                          <p:cTn id="29" fill="hold">
+                            <p:stCondLst>
+                              <p:cond delay="2000"/>
+                            </p:stCondLst>
+                            <p:childTnLst>
+                              <p:par>
+                                <p:cTn id="30" presetID="49" presetClass="entr" presetSubtype="0" decel="100000" fill="hold" grpId="0" nodeType="afterEffect">
+                                  <p:stCondLst>
+                                    <p:cond delay="0"/>
+                                  </p:stCondLst>
+                                  <p:childTnLst>
+                                    <p:set>
+                                      <p:cBhvr>
+                                        <p:cTn id="31" dur="1" fill="hold">
+                                          <p:stCondLst>
+                                            <p:cond delay="0"/>
+                                          </p:stCondLst>
+                                        </p:cTn>
+                                        <p:tgtEl>
+                                          <p:spTgt spid="4"/>
+                                        </p:tgtEl>
+                                        <p:attrNameLst>
+                                          <p:attrName>style.visibility</p:attrName>
+                                        </p:attrNameLst>
+                                      </p:cBhvr>
+                                      <p:to>
+                                        <p:strVal val="visible"/>
+                                      </p:to>
+                                    </p:set>
+                                    <p:anim calcmode="lin" valueType="num">
+                                      <p:cBhvr>
+                                        <p:cTn id="32" dur="500" fill="hold"/>
+                                        <p:tgtEl>
+                                          <p:spTgt spid="4"/>
+                                        </p:tgtEl>
+                                        <p:attrNameLst>
+                                          <p:attrName>ppt_w</p:attrName>
+                                        </p:attrNameLst>
+                                      </p:cBhvr>
+                                      <p:tavLst>
+                                        <p:tav tm="0">
+                                          <p:val>
+                                            <p:fltVal val="0"/>
+                                          </p:val>
+                                        </p:tav>
+                                        <p:tav tm="100000">
+                                          <p:val>
+                                            <p:strVal val="#ppt_w"/>
+                                          </p:val>
+                                        </p:tav>
+                                      </p:tavLst>
+                                    </p:anim>
+                                    <p:anim calcmode="lin" valueType="num">
+                                      <p:cBhvr>
+                                        <p:cTn id="33" dur="500" fill="hold"/>
+                                        <p:tgtEl>
+                                          <p:spTgt spid="4"/>
+                                        </p:tgtEl>
+                                        <p:attrNameLst>
+                                          <p:attrName>ppt_h</p:attrName>
+                                        </p:attrNameLst>
+                                      </p:cBhvr>
+                                      <p:tavLst>
+                                        <p:tav tm="0">
+                                          <p:val>
+                                            <p:fltVal val="0"/>
+                                          </p:val>
+                                        </p:tav>
+                                        <p:tav tm="100000">
+                                          <p:val>
+                                            <p:strVal val="#ppt_h"/>
+                                          </p:val>
+                                        </p:tav>
+                                      </p:tavLst>
+                                    </p:anim>
+                                    <p:anim calcmode="lin" valueType="num">
+                                      <p:cBhvr>
+                                        <p:cTn id="34" dur="500" fill="hold"/>
+                                        <p:tgtEl>
+                                          <p:spTgt spid="4"/>
+                                        </p:tgtEl>
+                                        <p:attrNameLst>
+                                          <p:attrName>style.rotation</p:attrName>
+                                        </p:attrNameLst>
+                                      </p:cBhvr>
+                                      <p:tavLst>
+                                        <p:tav tm="0">
+                                          <p:val>
+                                            <p:fltVal val="360"/>
+                                          </p:val>
+                                        </p:tav>
+                                        <p:tav tm="100000">
+                                          <p:val>
+                                            <p:fltVal val="0"/>
+                                          </p:val>
+                                        </p:tav>
+                                      </p:tavLst>
+                                    </p:anim>
+                                    <p:animEffect transition="in" filter="fade">
+                                      <p:cBhvr>
+                                        <p:cTn id="35" dur="500"/>
+                                        <p:tgtEl>
+                                          <p:spTgt spid="4"/>
+                                        </p:tgtEl>
+                                      </p:cBhvr>
+                                    </p:animEffect>
+                                  </p:childTnLst>
+                                </p:cTn>
+                              </p:par>
+                            </p:childTnLst>
+                          </p:cTn>
+                        </p:par>
+                        <p:par>
+                          <p:cTn id="36" fill="hold">
+                            <p:stCondLst>
+                              <p:cond delay="2500"/>
+                            </p:stCondLst>
+                            <p:childTnLst>
+                              <p:par>
+                                <p:cTn id="37" presetID="2" presetClass="entr" presetSubtype="8" fill="hold" grpId="0" nodeType="afterEffect">
+                                  <p:stCondLst>
+                                    <p:cond delay="0"/>
+                                  </p:stCondLst>
+                                  <p:childTnLst>
+                                    <p:set>
+                                      <p:cBhvr>
+                                        <p:cTn id="38" dur="1" fill="hold">
+                                          <p:stCondLst>
+                                            <p:cond delay="0"/>
+                                          </p:stCondLst>
+                                        </p:cTn>
+                                        <p:tgtEl>
+                                          <p:spTgt spid="2"/>
+                                        </p:tgtEl>
+                                        <p:attrNameLst>
+                                          <p:attrName>style.visibility</p:attrName>
+                                        </p:attrNameLst>
+                                      </p:cBhvr>
+                                      <p:to>
+                                        <p:strVal val="visible"/>
+                                      </p:to>
+                                    </p:set>
+                                    <p:anim calcmode="lin" valueType="num">
+                                      <p:cBhvr>
+                                        <p:cTn id="39" dur="500" fill="hold"/>
+                                        <p:tgtEl>
+                                          <p:spTgt spid="2"/>
+                                        </p:tgtEl>
+                                        <p:attrNameLst>
+                                          <p:attrName>ppt_x</p:attrName>
+                                        </p:attrNameLst>
+                                      </p:cBhvr>
+                                      <p:tavLst>
+                                        <p:tav tm="0">
+                                          <p:val>
+                                            <p:strVal val="0-#ppt_w/2"/>
+                                          </p:val>
+                                        </p:tav>
+                                        <p:tav tm="100000">
+                                          <p:val>
+                                            <p:strVal val="#ppt_x"/>
+                                          </p:val>
+                                        </p:tav>
+                                      </p:tavLst>
+                                    </p:anim>
+                                    <p:anim calcmode="lin" valueType="num">
+                                      <p:cBhvr>
+                                        <p:cTn id="40" dur="500" fill="hold"/>
+                                        <p:tgtEl>
+                                          <p:spTgt spid="2"/>
+                                        </p:tgtEl>
+                                        <p:attrNameLst>
+                                          <p:attrName>ppt_y</p:attrName>
+                                        </p:attrNameLst>
+                                      </p:cBhvr>
+                                      <p:tavLst>
+                                        <p:tav tm="0">
+                                          <p:val>
+                                            <p:strVal val="#ppt_y"/>
+                                          </p:val>
+                                        </p:tav>
+                                        <p:tav tm="100000">
+                                          <p:val>
+                                            <p:strVal val="#ppt_y"/>
+                                          </p:val>
+                                        </p:tav>
+                                      </p:tavLst>
+                                    </p:anim>
+                                  </p:childTnLst>
+                                </p:cTn>
+                              </p:par>
+                            </p:childTnLst>
+                          </p:cTn>
+                        </p:par>
+                      </p:childTnLst>
+                    </p:cTn>
+                  </p:par>
+                </p:childTnLst>
+              </p:cTn>
+              <p:prevCondLst>
+                <p:cond evt="onPrev" delay="0">
+                  <p:tgtEl>
+                    <p:sldTgt/>
+                  </p:tgtEl>
+                </p:cond>
+              </p:prevCondLst>
+              <p:nextCondLst>
+                <p:cond evt="onNext" delay="0">
+                  <p:tgtEl>
+                    <p:sldTgt/>
+                  </p:tgtEl>
+                </p:cond>
+              </p:nextCondLst>
+            </p:seq>
+          </p:childTnLst>
+        </p:cTn>
+      </p:par>
+    </p:tnLst>
+    <p:bldLst>
+      <p:bldP spid="24579" grpId="0"/>
+      <p:bldP spid="2" grpId="0" bldLvl="0" animBg="1"/>
+      <p:bldP spid="3" grpId="0" bldLvl="0" animBg="1"/>
+      <p:bldP spid="4" grpId="0" bldLvl="0" animBg="1"/>
+      <p:bldP spid="5" grpId="0" bldLvl="0" animBg="1"/>
+      <p:bldP spid="7" grpId="0" bldLvl="0" animBg="1"/>
+    </p:bldLst>
+  </p:timing>
+</p:sld>
+</file>
+
+<file path=ppt/slides/slide21.xml><?xml version="1.0" encoding="utf-8"?>
 <p:sld xmlns:a="http://schemas.openxmlformats.org/drawingml/2006/main" xmlns:r="http://schemas.openxmlformats.org/officeDocument/2006/relationships" xmlns:p="http://schemas.openxmlformats.org/presentationml/2006/main">
   <p:cSld>
     <p:bg>
@@ -19535,7 +20701,7 @@
           <a:p>
             <a:pPr algn="ctr"/>
             <a:r>
-              <a:rPr lang="ru-RU" altLang="en-US" sz="2800" b="1">
+              <a:rPr lang="ru-RU" altLang="en-US" sz="2800" b="1" dirty="0">
                 <a:solidFill>
                   <a:schemeClr val="bg1"/>
                 </a:solidFill>
@@ -20450,7 +21616,7 @@
           <a:p>
             <a:pPr algn="ctr"/>
             <a:r>
-              <a:rPr lang="ru-RU" altLang="en-US" sz="2800" b="1">
+              <a:rPr lang="ru-RU" altLang="en-US" sz="2800" b="1" dirty="0">
                 <a:solidFill>
                   <a:schemeClr val="bg1"/>
                 </a:solidFill>
@@ -22467,7 +23633,7 @@
           <a:p>
             <a:pPr algn="ctr"/>
             <a:r>
-              <a:rPr lang="ru-RU" altLang="en-US" sz="2800" b="1">
+              <a:rPr lang="ru-RU" altLang="en-US" sz="2800" b="1" dirty="0">
                 <a:solidFill>
                   <a:schemeClr val="bg1"/>
                 </a:solidFill>
